--- a/PPT Notes/01-Introduction to Machine Learning.pptx
+++ b/PPT Notes/01-Introduction to Machine Learning.pptx
@@ -6,25 +6,26 @@
     <p:sldMasterId id="2147483662" r:id="rId5"/>
   </p:sldMasterIdLst>
   <p:notesMasterIdLst>
-    <p:notesMasterId r:id="rId22"/>
+    <p:notesMasterId r:id="rId23"/>
   </p:notesMasterIdLst>
   <p:sldIdLst>
     <p:sldId id="11712" r:id="rId6"/>
     <p:sldId id="11711" r:id="rId7"/>
     <p:sldId id="11694" r:id="rId8"/>
-    <p:sldId id="11696" r:id="rId9"/>
-    <p:sldId id="11697" r:id="rId10"/>
-    <p:sldId id="11698" r:id="rId11"/>
-    <p:sldId id="11699" r:id="rId12"/>
-    <p:sldId id="11713" r:id="rId13"/>
-    <p:sldId id="11704" r:id="rId14"/>
-    <p:sldId id="11716" r:id="rId15"/>
-    <p:sldId id="11720" r:id="rId16"/>
-    <p:sldId id="11717" r:id="rId17"/>
-    <p:sldId id="11718" r:id="rId18"/>
-    <p:sldId id="11719" r:id="rId19"/>
-    <p:sldId id="11722" r:id="rId20"/>
-    <p:sldId id="11646" r:id="rId21"/>
+    <p:sldId id="11723" r:id="rId9"/>
+    <p:sldId id="11696" r:id="rId10"/>
+    <p:sldId id="11697" r:id="rId11"/>
+    <p:sldId id="11698" r:id="rId12"/>
+    <p:sldId id="11699" r:id="rId13"/>
+    <p:sldId id="11713" r:id="rId14"/>
+    <p:sldId id="11704" r:id="rId15"/>
+    <p:sldId id="11716" r:id="rId16"/>
+    <p:sldId id="11720" r:id="rId17"/>
+    <p:sldId id="11717" r:id="rId18"/>
+    <p:sldId id="11718" r:id="rId19"/>
+    <p:sldId id="11719" r:id="rId20"/>
+    <p:sldId id="11722" r:id="rId21"/>
+    <p:sldId id="11646" r:id="rId22"/>
   </p:sldIdLst>
   <p:sldSz cx="12192000" cy="6858000"/>
   <p:notesSz cx="6858000" cy="9144000"/>
@@ -149,7 +150,7 @@
 <file path=ppt/revisionInfo.xml><?xml version="1.0" encoding="utf-8"?>
 <p1510:revInfo xmlns:a="http://schemas.openxmlformats.org/drawingml/2006/main" xmlns:r="http://schemas.openxmlformats.org/officeDocument/2006/relationships" xmlns:p1510="http://schemas.microsoft.com/office/powerpoint/2015/10/main">
   <p1510:revLst>
-    <p1510:client id="{1E5A8F0A-BD5C-4386-A01A-4DF934FB2FE5}" v="150" dt="2025-02-27T12:38:37.638"/>
+    <p1510:client id="{39992D84-B853-4E80-B682-873B394BA812}" v="8" dt="2025-03-12T10:05:47.782"/>
   </p1510:revLst>
 </p1510:revInfo>
 </file>
@@ -169,14 +170,6 @@
           <pc:docMk/>
           <pc:sldMk cId="2111651506" sldId="11553"/>
         </pc:sldMkLst>
-        <pc:spChg chg="mod">
-          <ac:chgData name="USHA NANDHINI S" userId="15cdf0b0-2e93-4f62-97e7-b1410a443814" providerId="ADAL" clId="{1E5A8F0A-BD5C-4386-A01A-4DF934FB2FE5}" dt="2025-02-27T03:07:46.453" v="22" actId="6549"/>
-          <ac:spMkLst>
-            <pc:docMk/>
-            <pc:sldMk cId="2111651506" sldId="11553"/>
-            <ac:spMk id="3" creationId="{5ACDEA72-1592-487D-849B-3BEFF49F0D6F}"/>
-          </ac:spMkLst>
-        </pc:spChg>
       </pc:sldChg>
       <pc:sldChg chg="del">
         <pc:chgData name="USHA NANDHINI S" userId="15cdf0b0-2e93-4f62-97e7-b1410a443814" providerId="ADAL" clId="{1E5A8F0A-BD5C-4386-A01A-4DF934FB2FE5}" dt="2025-02-27T03:09:39.593" v="73" actId="47"/>
@@ -198,22 +191,6 @@
           <pc:docMk/>
           <pc:sldMk cId="3467308006" sldId="11694"/>
         </pc:sldMkLst>
-        <pc:spChg chg="del mod">
-          <ac:chgData name="USHA NANDHINI S" userId="15cdf0b0-2e93-4f62-97e7-b1410a443814" providerId="ADAL" clId="{1E5A8F0A-BD5C-4386-A01A-4DF934FB2FE5}" dt="2025-02-27T03:19:48.962" v="132" actId="478"/>
-          <ac:spMkLst>
-            <pc:docMk/>
-            <pc:sldMk cId="3467308006" sldId="11694"/>
-            <ac:spMk id="3" creationId="{A3C82D4F-5812-293C-252D-B56669D7D8AF}"/>
-          </ac:spMkLst>
-        </pc:spChg>
-        <pc:spChg chg="del">
-          <ac:chgData name="USHA NANDHINI S" userId="15cdf0b0-2e93-4f62-97e7-b1410a443814" providerId="ADAL" clId="{1E5A8F0A-BD5C-4386-A01A-4DF934FB2FE5}" dt="2025-02-27T03:17:12.662" v="121" actId="478"/>
-          <ac:spMkLst>
-            <pc:docMk/>
-            <pc:sldMk cId="3467308006" sldId="11694"/>
-            <ac:spMk id="7" creationId="{745D6F6C-FE9B-41A9-ACD6-1809B02D93E0}"/>
-          </ac:spMkLst>
-        </pc:spChg>
         <pc:spChg chg="mod">
           <ac:chgData name="USHA NANDHINI S" userId="15cdf0b0-2e93-4f62-97e7-b1410a443814" providerId="ADAL" clId="{1E5A8F0A-BD5C-4386-A01A-4DF934FB2FE5}" dt="2025-02-27T03:17:04.050" v="118"/>
           <ac:spMkLst>
@@ -222,14 +199,6 @@
             <ac:spMk id="10" creationId="{2178BB46-BA54-FAFA-F3CA-3C7D47D9708D}"/>
           </ac:spMkLst>
         </pc:spChg>
-        <pc:picChg chg="del">
-          <ac:chgData name="USHA NANDHINI S" userId="15cdf0b0-2e93-4f62-97e7-b1410a443814" providerId="ADAL" clId="{1E5A8F0A-BD5C-4386-A01A-4DF934FB2FE5}" dt="2025-02-27T03:17:06.582" v="119" actId="478"/>
-          <ac:picMkLst>
-            <pc:docMk/>
-            <pc:sldMk cId="3467308006" sldId="11694"/>
-            <ac:picMk id="5" creationId="{17FEB0EE-71CD-4BCA-8384-6AD20D06EB33}"/>
-          </ac:picMkLst>
-        </pc:picChg>
         <pc:picChg chg="add mod">
           <ac:chgData name="USHA NANDHINI S" userId="15cdf0b0-2e93-4f62-97e7-b1410a443814" providerId="ADAL" clId="{1E5A8F0A-BD5C-4386-A01A-4DF934FB2FE5}" dt="2025-02-27T03:20:15.353" v="140" actId="1076"/>
           <ac:picMkLst>
@@ -252,44 +221,12 @@
           <pc:docMk/>
           <pc:sldMk cId="1311196739" sldId="11696"/>
         </pc:sldMkLst>
-        <pc:spChg chg="del">
-          <ac:chgData name="USHA NANDHINI S" userId="15cdf0b0-2e93-4f62-97e7-b1410a443814" providerId="ADAL" clId="{1E5A8F0A-BD5C-4386-A01A-4DF934FB2FE5}" dt="2025-02-27T03:23:07.112" v="161" actId="478"/>
-          <ac:spMkLst>
-            <pc:docMk/>
-            <pc:sldMk cId="1311196739" sldId="11696"/>
-            <ac:spMk id="2" creationId="{F59BBC3C-6CA6-4F07-9AD3-2048E4BFDAFD}"/>
-          </ac:spMkLst>
-        </pc:spChg>
         <pc:spChg chg="mod">
           <ac:chgData name="USHA NANDHINI S" userId="15cdf0b0-2e93-4f62-97e7-b1410a443814" providerId="ADAL" clId="{1E5A8F0A-BD5C-4386-A01A-4DF934FB2FE5}" dt="2025-02-27T03:32:53.122" v="175" actId="14100"/>
           <ac:spMkLst>
             <pc:docMk/>
             <pc:sldMk cId="1311196739" sldId="11696"/>
             <ac:spMk id="3" creationId="{A856A8B9-79C0-4A13-2ACC-64EF2072748F}"/>
-          </ac:spMkLst>
-        </pc:spChg>
-        <pc:spChg chg="add">
-          <ac:chgData name="USHA NANDHINI S" userId="15cdf0b0-2e93-4f62-97e7-b1410a443814" providerId="ADAL" clId="{1E5A8F0A-BD5C-4386-A01A-4DF934FB2FE5}" dt="2025-02-27T03:22:13.045" v="152"/>
-          <ac:spMkLst>
-            <pc:docMk/>
-            <pc:sldMk cId="1311196739" sldId="11696"/>
-            <ac:spMk id="5" creationId="{B2F205BF-849C-D563-8D88-96373CB4A1E4}"/>
-          </ac:spMkLst>
-        </pc:spChg>
-        <pc:spChg chg="add">
-          <ac:chgData name="USHA NANDHINI S" userId="15cdf0b0-2e93-4f62-97e7-b1410a443814" providerId="ADAL" clId="{1E5A8F0A-BD5C-4386-A01A-4DF934FB2FE5}" dt="2025-02-27T03:22:17.152" v="154"/>
-          <ac:spMkLst>
-            <pc:docMk/>
-            <pc:sldMk cId="1311196739" sldId="11696"/>
-            <ac:spMk id="6" creationId="{042BBEA6-C63D-7ED4-98A7-4DE8B3F06872}"/>
-          </ac:spMkLst>
-        </pc:spChg>
-        <pc:spChg chg="add">
-          <ac:chgData name="USHA NANDHINI S" userId="15cdf0b0-2e93-4f62-97e7-b1410a443814" providerId="ADAL" clId="{1E5A8F0A-BD5C-4386-A01A-4DF934FB2FE5}" dt="2025-02-27T03:22:27.322" v="156"/>
-          <ac:spMkLst>
-            <pc:docMk/>
-            <pc:sldMk cId="1311196739" sldId="11696"/>
-            <ac:spMk id="7" creationId="{CA02DBB7-C8FC-95A4-B0FD-D5A85CA9A6DD}"/>
           </ac:spMkLst>
         </pc:spChg>
         <pc:spChg chg="mod">
@@ -300,14 +237,6 @@
             <ac:spMk id="10" creationId="{411E94F6-B3CF-8D63-AF54-2C627635ABE2}"/>
           </ac:spMkLst>
         </pc:spChg>
-        <pc:picChg chg="del">
-          <ac:chgData name="USHA NANDHINI S" userId="15cdf0b0-2e93-4f62-97e7-b1410a443814" providerId="ADAL" clId="{1E5A8F0A-BD5C-4386-A01A-4DF934FB2FE5}" dt="2025-02-27T03:24:39.053" v="162" actId="478"/>
-          <ac:picMkLst>
-            <pc:docMk/>
-            <pc:sldMk cId="1311196739" sldId="11696"/>
-            <ac:picMk id="4" creationId="{1F73CF25-26F9-472F-B518-AEA2B5CE829D}"/>
-          </ac:picMkLst>
-        </pc:picChg>
         <pc:picChg chg="add mod">
           <ac:chgData name="USHA NANDHINI S" userId="15cdf0b0-2e93-4f62-97e7-b1410a443814" providerId="ADAL" clId="{1E5A8F0A-BD5C-4386-A01A-4DF934FB2FE5}" dt="2025-02-27T03:33:02.232" v="178" actId="1076"/>
           <ac:picMkLst>
@@ -323,30 +252,6 @@
           <pc:docMk/>
           <pc:sldMk cId="1832206525" sldId="11697"/>
         </pc:sldMkLst>
-        <pc:spChg chg="del">
-          <ac:chgData name="USHA NANDHINI S" userId="15cdf0b0-2e93-4f62-97e7-b1410a443814" providerId="ADAL" clId="{1E5A8F0A-BD5C-4386-A01A-4DF934FB2FE5}" dt="2025-02-27T03:34:57.322" v="185" actId="478"/>
-          <ac:spMkLst>
-            <pc:docMk/>
-            <pc:sldMk cId="1832206525" sldId="11697"/>
-            <ac:spMk id="2" creationId="{2D2B8E1A-54BC-462A-BE33-E279DD9D8CF1}"/>
-          </ac:spMkLst>
-        </pc:spChg>
-        <pc:spChg chg="del">
-          <ac:chgData name="USHA NANDHINI S" userId="15cdf0b0-2e93-4f62-97e7-b1410a443814" providerId="ADAL" clId="{1E5A8F0A-BD5C-4386-A01A-4DF934FB2FE5}" dt="2025-02-27T03:35:04.367" v="188" actId="478"/>
-          <ac:spMkLst>
-            <pc:docMk/>
-            <pc:sldMk cId="1832206525" sldId="11697"/>
-            <ac:spMk id="3" creationId="{0CAAF82A-B2B2-8196-6DBC-B231219B46D3}"/>
-          </ac:spMkLst>
-        </pc:spChg>
-        <pc:spChg chg="add del mod">
-          <ac:chgData name="USHA NANDHINI S" userId="15cdf0b0-2e93-4f62-97e7-b1410a443814" providerId="ADAL" clId="{1E5A8F0A-BD5C-4386-A01A-4DF934FB2FE5}" dt="2025-02-27T03:35:08.652" v="189" actId="478"/>
-          <ac:spMkLst>
-            <pc:docMk/>
-            <pc:sldMk cId="1832206525" sldId="11697"/>
-            <ac:spMk id="6" creationId="{5DD15609-73B9-3A1B-FE06-C708BBABE3DA}"/>
-          </ac:spMkLst>
-        </pc:spChg>
         <pc:spChg chg="mod">
           <ac:chgData name="USHA NANDHINI S" userId="15cdf0b0-2e93-4f62-97e7-b1410a443814" providerId="ADAL" clId="{1E5A8F0A-BD5C-4386-A01A-4DF934FB2FE5}" dt="2025-02-27T03:33:25.402" v="183"/>
           <ac:spMkLst>
@@ -355,14 +260,6 @@
             <ac:spMk id="10" creationId="{A1AD1E8D-6F08-83A1-899C-4B833562DE59}"/>
           </ac:spMkLst>
         </pc:spChg>
-        <pc:picChg chg="del">
-          <ac:chgData name="USHA NANDHINI S" userId="15cdf0b0-2e93-4f62-97e7-b1410a443814" providerId="ADAL" clId="{1E5A8F0A-BD5C-4386-A01A-4DF934FB2FE5}" dt="2025-02-27T03:34:52.943" v="184" actId="478"/>
-          <ac:picMkLst>
-            <pc:docMk/>
-            <pc:sldMk cId="1832206525" sldId="11697"/>
-            <ac:picMk id="4" creationId="{FB67AEDE-90D5-495A-8EFD-1DF266894276}"/>
-          </ac:picMkLst>
-        </pc:picChg>
         <pc:picChg chg="add mod">
           <ac:chgData name="USHA NANDHINI S" userId="15cdf0b0-2e93-4f62-97e7-b1410a443814" providerId="ADAL" clId="{1E5A8F0A-BD5C-4386-A01A-4DF934FB2FE5}" dt="2025-02-27T03:35:17.482" v="194" actId="1076"/>
           <ac:picMkLst>
@@ -386,22 +283,6 @@
             <ac:spMk id="3" creationId="{E3F8AC5C-F6C3-D783-8578-EF7293A45093}"/>
           </ac:spMkLst>
         </pc:spChg>
-        <pc:spChg chg="del mod">
-          <ac:chgData name="USHA NANDHINI S" userId="15cdf0b0-2e93-4f62-97e7-b1410a443814" providerId="ADAL" clId="{1E5A8F0A-BD5C-4386-A01A-4DF934FB2FE5}" dt="2025-02-27T03:38:52.902" v="212" actId="478"/>
-          <ac:spMkLst>
-            <pc:docMk/>
-            <pc:sldMk cId="1650833026" sldId="11698"/>
-            <ac:spMk id="4" creationId="{1E5AE59C-5760-47C9-A419-1E84FF2D8643}"/>
-          </ac:spMkLst>
-        </pc:spChg>
-        <pc:spChg chg="add">
-          <ac:chgData name="USHA NANDHINI S" userId="15cdf0b0-2e93-4f62-97e7-b1410a443814" providerId="ADAL" clId="{1E5A8F0A-BD5C-4386-A01A-4DF934FB2FE5}" dt="2025-02-27T03:38:24.152" v="204"/>
-          <ac:spMkLst>
-            <pc:docMk/>
-            <pc:sldMk cId="1650833026" sldId="11698"/>
-            <ac:spMk id="5" creationId="{428CED4D-36B2-27F0-D9C9-25FC233C8A45}"/>
-          </ac:spMkLst>
-        </pc:spChg>
         <pc:spChg chg="mod">
           <ac:chgData name="USHA NANDHINI S" userId="15cdf0b0-2e93-4f62-97e7-b1410a443814" providerId="ADAL" clId="{1E5A8F0A-BD5C-4386-A01A-4DF934FB2FE5}" dt="2025-02-27T03:35:40.667" v="199"/>
           <ac:spMkLst>
@@ -410,14 +291,6 @@
             <ac:spMk id="10" creationId="{1997233A-5676-6F10-C021-FA9FDF0FEF15}"/>
           </ac:spMkLst>
         </pc:spChg>
-        <pc:picChg chg="del">
-          <ac:chgData name="USHA NANDHINI S" userId="15cdf0b0-2e93-4f62-97e7-b1410a443814" providerId="ADAL" clId="{1E5A8F0A-BD5C-4386-A01A-4DF934FB2FE5}" dt="2025-02-27T03:35:42.052" v="200" actId="478"/>
-          <ac:picMkLst>
-            <pc:docMk/>
-            <pc:sldMk cId="1650833026" sldId="11698"/>
-            <ac:picMk id="2" creationId="{7B60FB60-EB1A-4B66-8D78-AF0C3AA89456}"/>
-          </ac:picMkLst>
-        </pc:picChg>
         <pc:picChg chg="add del mod">
           <ac:chgData name="USHA NANDHINI S" userId="15cdf0b0-2e93-4f62-97e7-b1410a443814" providerId="ADAL" clId="{1E5A8F0A-BD5C-4386-A01A-4DF934FB2FE5}" dt="2025-02-27T03:39:27.252" v="220" actId="1076"/>
           <ac:picMkLst>
@@ -441,14 +314,6 @@
             <ac:spMk id="3" creationId="{36675E46-B163-CA77-3F1C-6C48FE51E238}"/>
           </ac:spMkLst>
         </pc:spChg>
-        <pc:spChg chg="del">
-          <ac:chgData name="USHA NANDHINI S" userId="15cdf0b0-2e93-4f62-97e7-b1410a443814" providerId="ADAL" clId="{1E5A8F0A-BD5C-4386-A01A-4DF934FB2FE5}" dt="2025-02-27T03:44:18.301" v="237" actId="478"/>
-          <ac:spMkLst>
-            <pc:docMk/>
-            <pc:sldMk cId="136954004" sldId="11699"/>
-            <ac:spMk id="4" creationId="{E05B6993-8CCB-458B-80EF-F36F5F6F14A3}"/>
-          </ac:spMkLst>
-        </pc:spChg>
         <pc:spChg chg="mod">
           <ac:chgData name="USHA NANDHINI S" userId="15cdf0b0-2e93-4f62-97e7-b1410a443814" providerId="ADAL" clId="{1E5A8F0A-BD5C-4386-A01A-4DF934FB2FE5}" dt="2025-02-27T03:40:29.951" v="225"/>
           <ac:spMkLst>
@@ -457,28 +322,12 @@
             <ac:spMk id="10" creationId="{DEF02693-2DAC-E3E5-B586-C98221567132}"/>
           </ac:spMkLst>
         </pc:spChg>
-        <pc:picChg chg="del">
-          <ac:chgData name="USHA NANDHINI S" userId="15cdf0b0-2e93-4f62-97e7-b1410a443814" providerId="ADAL" clId="{1E5A8F0A-BD5C-4386-A01A-4DF934FB2FE5}" dt="2025-02-27T03:43:18.012" v="226" actId="478"/>
-          <ac:picMkLst>
-            <pc:docMk/>
-            <pc:sldMk cId="136954004" sldId="11699"/>
-            <ac:picMk id="2" creationId="{45E4E299-8A54-4DB8-8B85-2CFEEB45A43A}"/>
-          </ac:picMkLst>
-        </pc:picChg>
         <pc:picChg chg="add mod">
           <ac:chgData name="USHA NANDHINI S" userId="15cdf0b0-2e93-4f62-97e7-b1410a443814" providerId="ADAL" clId="{1E5A8F0A-BD5C-4386-A01A-4DF934FB2FE5}" dt="2025-02-27T03:46:32.542" v="251" actId="1076"/>
           <ac:picMkLst>
             <pc:docMk/>
             <pc:sldMk cId="136954004" sldId="11699"/>
             <ac:picMk id="5" creationId="{CCD55170-6167-4D8A-BED7-A6F8F026DAC9}"/>
-          </ac:picMkLst>
-        </pc:picChg>
-        <pc:picChg chg="add del mod">
-          <ac:chgData name="USHA NANDHINI S" userId="15cdf0b0-2e93-4f62-97e7-b1410a443814" providerId="ADAL" clId="{1E5A8F0A-BD5C-4386-A01A-4DF934FB2FE5}" dt="2025-02-27T03:45:50.382" v="244" actId="478"/>
-          <ac:picMkLst>
-            <pc:docMk/>
-            <pc:sldMk cId="136954004" sldId="11699"/>
-            <ac:picMk id="7170" creationId="{21284436-6279-0905-2085-B422FA2D17EF}"/>
           </ac:picMkLst>
         </pc:picChg>
         <pc:picChg chg="add mod">
@@ -524,38 +373,6 @@
           <pc:docMk/>
           <pc:sldMk cId="3789876813" sldId="11704"/>
         </pc:sldMkLst>
-        <pc:spChg chg="del">
-          <ac:chgData name="USHA NANDHINI S" userId="15cdf0b0-2e93-4f62-97e7-b1410a443814" providerId="ADAL" clId="{1E5A8F0A-BD5C-4386-A01A-4DF934FB2FE5}" dt="2025-02-27T03:53:52.761" v="299" actId="478"/>
-          <ac:spMkLst>
-            <pc:docMk/>
-            <pc:sldMk cId="3789876813" sldId="11704"/>
-            <ac:spMk id="3" creationId="{D833B5E4-F6CB-43A7-EAEA-2EC6092AD3B1}"/>
-          </ac:spMkLst>
-        </pc:spChg>
-        <pc:spChg chg="del">
-          <ac:chgData name="USHA NANDHINI S" userId="15cdf0b0-2e93-4f62-97e7-b1410a443814" providerId="ADAL" clId="{1E5A8F0A-BD5C-4386-A01A-4DF934FB2FE5}" dt="2025-02-27T03:53:49.211" v="298" actId="478"/>
-          <ac:spMkLst>
-            <pc:docMk/>
-            <pc:sldMk cId="3789876813" sldId="11704"/>
-            <ac:spMk id="4" creationId="{A85BF17F-56A9-4C82-9FA6-CAB06388AB17}"/>
-          </ac:spMkLst>
-        </pc:spChg>
-        <pc:spChg chg="add">
-          <ac:chgData name="USHA NANDHINI S" userId="15cdf0b0-2e93-4f62-97e7-b1410a443814" providerId="ADAL" clId="{1E5A8F0A-BD5C-4386-A01A-4DF934FB2FE5}" dt="2025-02-27T03:53:44.101" v="297"/>
-          <ac:spMkLst>
-            <pc:docMk/>
-            <pc:sldMk cId="3789876813" sldId="11704"/>
-            <ac:spMk id="5" creationId="{A5158A99-27E3-C77E-94C5-B6646FB0D699}"/>
-          </ac:spMkLst>
-        </pc:spChg>
-        <pc:spChg chg="add del mod">
-          <ac:chgData name="USHA NANDHINI S" userId="15cdf0b0-2e93-4f62-97e7-b1410a443814" providerId="ADAL" clId="{1E5A8F0A-BD5C-4386-A01A-4DF934FB2FE5}" dt="2025-02-27T03:56:55.801" v="301" actId="478"/>
-          <ac:spMkLst>
-            <pc:docMk/>
-            <pc:sldMk cId="3789876813" sldId="11704"/>
-            <ac:spMk id="7" creationId="{0CC36D11-F9EF-43ED-3DE6-D1A4E407F954}"/>
-          </ac:spMkLst>
-        </pc:spChg>
         <pc:spChg chg="mod">
           <ac:chgData name="USHA NANDHINI S" userId="15cdf0b0-2e93-4f62-97e7-b1410a443814" providerId="ADAL" clId="{1E5A8F0A-BD5C-4386-A01A-4DF934FB2FE5}" dt="2025-02-27T03:53:30.792" v="295"/>
           <ac:spMkLst>
@@ -564,36 +381,12 @@
             <ac:spMk id="10" creationId="{CF1E34EA-C4D9-723E-B6D1-9926E4929F4E}"/>
           </ac:spMkLst>
         </pc:spChg>
-        <pc:spChg chg="add">
-          <ac:chgData name="USHA NANDHINI S" userId="15cdf0b0-2e93-4f62-97e7-b1410a443814" providerId="ADAL" clId="{1E5A8F0A-BD5C-4386-A01A-4DF934FB2FE5}" dt="2025-02-27T03:57:54.321" v="305"/>
-          <ac:spMkLst>
-            <pc:docMk/>
-            <pc:sldMk cId="3789876813" sldId="11704"/>
-            <ac:spMk id="11" creationId="{F9689EA2-0C92-DD14-A2DE-120B42BBD952}"/>
-          </ac:spMkLst>
-        </pc:spChg>
-        <pc:picChg chg="del">
-          <ac:chgData name="USHA NANDHINI S" userId="15cdf0b0-2e93-4f62-97e7-b1410a443814" providerId="ADAL" clId="{1E5A8F0A-BD5C-4386-A01A-4DF934FB2FE5}" dt="2025-02-27T03:53:32.542" v="296" actId="478"/>
-          <ac:picMkLst>
-            <pc:docMk/>
-            <pc:sldMk cId="3789876813" sldId="11704"/>
-            <ac:picMk id="2" creationId="{31721D6B-43DC-406E-A2B5-8FCD153712E7}"/>
-          </ac:picMkLst>
-        </pc:picChg>
         <pc:picChg chg="add mod">
           <ac:chgData name="USHA NANDHINI S" userId="15cdf0b0-2e93-4f62-97e7-b1410a443814" providerId="ADAL" clId="{1E5A8F0A-BD5C-4386-A01A-4DF934FB2FE5}" dt="2025-02-27T03:58:04.581" v="310" actId="1076"/>
           <ac:picMkLst>
             <pc:docMk/>
             <pc:sldMk cId="3789876813" sldId="11704"/>
             <ac:picMk id="12" creationId="{4B061820-AF77-920C-27CA-C4F79E1B2049}"/>
-          </ac:picMkLst>
-        </pc:picChg>
-        <pc:picChg chg="add del mod">
-          <ac:chgData name="USHA NANDHINI S" userId="15cdf0b0-2e93-4f62-97e7-b1410a443814" providerId="ADAL" clId="{1E5A8F0A-BD5C-4386-A01A-4DF934FB2FE5}" dt="2025-02-27T03:57:53.041" v="304" actId="478"/>
-          <ac:picMkLst>
-            <pc:docMk/>
-            <pc:sldMk cId="3789876813" sldId="11704"/>
-            <ac:picMk id="9219" creationId="{AFFE1C9C-9CEB-8BD9-1D8F-2EFB69BE2010}"/>
           </ac:picMkLst>
         </pc:picChg>
       </pc:sldChg>
@@ -624,14 +417,6 @@
           <pc:docMk/>
           <pc:sldMk cId="243666270" sldId="11708"/>
         </pc:sldMkLst>
-        <pc:picChg chg="del">
-          <ac:chgData name="USHA NANDHINI S" userId="15cdf0b0-2e93-4f62-97e7-b1410a443814" providerId="ADAL" clId="{1E5A8F0A-BD5C-4386-A01A-4DF934FB2FE5}" dt="2025-02-27T03:46:24.064" v="249" actId="21"/>
-          <ac:picMkLst>
-            <pc:docMk/>
-            <pc:sldMk cId="243666270" sldId="11708"/>
-            <ac:picMk id="5" creationId="{CCD55170-6167-4D8A-BED7-A6F8F026DAC9}"/>
-          </ac:picMkLst>
-        </pc:picChg>
       </pc:sldChg>
       <pc:sldChg chg="del">
         <pc:chgData name="USHA NANDHINI S" userId="15cdf0b0-2e93-4f62-97e7-b1410a443814" providerId="ADAL" clId="{1E5A8F0A-BD5C-4386-A01A-4DF934FB2FE5}" dt="2025-02-27T03:46:54.682" v="253" actId="47"/>
@@ -653,28 +438,12 @@
           <pc:docMk/>
           <pc:sldMk cId="2178508148" sldId="11711"/>
         </pc:sldMkLst>
-        <pc:spChg chg="add">
-          <ac:chgData name="USHA NANDHINI S" userId="15cdf0b0-2e93-4f62-97e7-b1410a443814" providerId="ADAL" clId="{1E5A8F0A-BD5C-4386-A01A-4DF934FB2FE5}" dt="2025-02-27T03:18:21.082" v="123"/>
-          <ac:spMkLst>
-            <pc:docMk/>
-            <pc:sldMk cId="2178508148" sldId="11711"/>
-            <ac:spMk id="2" creationId="{AF920FA8-1369-B900-E70D-1FB90C1C4181}"/>
-          </ac:spMkLst>
-        </pc:spChg>
         <pc:spChg chg="mod">
           <ac:chgData name="USHA NANDHINI S" userId="15cdf0b0-2e93-4f62-97e7-b1410a443814" providerId="ADAL" clId="{1E5A8F0A-BD5C-4386-A01A-4DF934FB2FE5}" dt="2025-02-27T03:18:40.852" v="128" actId="14100"/>
           <ac:spMkLst>
             <pc:docMk/>
             <pc:sldMk cId="2178508148" sldId="11711"/>
             <ac:spMk id="3" creationId="{E44C73AF-CF2E-9654-6E8F-175B32D66131}"/>
-          </ac:spMkLst>
-        </pc:spChg>
-        <pc:spChg chg="del">
-          <ac:chgData name="USHA NANDHINI S" userId="15cdf0b0-2e93-4f62-97e7-b1410a443814" providerId="ADAL" clId="{1E5A8F0A-BD5C-4386-A01A-4DF934FB2FE5}" dt="2025-02-27T03:11:06.444" v="100" actId="478"/>
-          <ac:spMkLst>
-            <pc:docMk/>
-            <pc:sldMk cId="2178508148" sldId="11711"/>
-            <ac:spMk id="7" creationId="{93F3BF7A-DD53-4505-BFE5-D2A7C5FD7D87}"/>
           </ac:spMkLst>
         </pc:spChg>
         <pc:spChg chg="mod">
@@ -691,30 +460,6 @@
             <pc:docMk/>
             <pc:sldMk cId="2178508148" sldId="11711"/>
             <ac:picMk id="4" creationId="{EE5F9D5F-23A6-AD3A-1487-53DBBCC292B6}"/>
-          </ac:picMkLst>
-        </pc:picChg>
-        <pc:picChg chg="del">
-          <ac:chgData name="USHA NANDHINI S" userId="15cdf0b0-2e93-4f62-97e7-b1410a443814" providerId="ADAL" clId="{1E5A8F0A-BD5C-4386-A01A-4DF934FB2FE5}" dt="2025-02-27T03:11:12.068" v="101" actId="478"/>
-          <ac:picMkLst>
-            <pc:docMk/>
-            <pc:sldMk cId="2178508148" sldId="11711"/>
-            <ac:picMk id="5" creationId="{79DADF99-6264-46ED-9FA0-9844A285AC8F}"/>
-          </ac:picMkLst>
-        </pc:picChg>
-        <pc:picChg chg="add del mod">
-          <ac:chgData name="USHA NANDHINI S" userId="15cdf0b0-2e93-4f62-97e7-b1410a443814" providerId="ADAL" clId="{1E5A8F0A-BD5C-4386-A01A-4DF934FB2FE5}" dt="2025-02-27T03:12:36.838" v="110" actId="478"/>
-          <ac:picMkLst>
-            <pc:docMk/>
-            <pc:sldMk cId="2178508148" sldId="11711"/>
-            <ac:picMk id="2050" creationId="{10A00927-85A7-6B57-FBBA-652EBE2E8D81}"/>
-          </ac:picMkLst>
-        </pc:picChg>
-        <pc:picChg chg="add del mod">
-          <ac:chgData name="USHA NANDHINI S" userId="15cdf0b0-2e93-4f62-97e7-b1410a443814" providerId="ADAL" clId="{1E5A8F0A-BD5C-4386-A01A-4DF934FB2FE5}" dt="2025-02-27T03:18:18.882" v="122" actId="478"/>
-          <ac:picMkLst>
-            <pc:docMk/>
-            <pc:sldMk cId="2178508148" sldId="11711"/>
-            <ac:picMk id="2052" creationId="{A3B57FC5-1DD5-D6F9-B605-54582B49FE0F}"/>
           </ac:picMkLst>
         </pc:picChg>
       </pc:sldChg>
@@ -740,22 +485,6 @@
             <ac:spMk id="3" creationId="{5ACDEA72-1592-487D-849B-3BEFF49F0D6F}"/>
           </ac:spMkLst>
         </pc:spChg>
-        <pc:spChg chg="add">
-          <ac:chgData name="USHA NANDHINI S" userId="15cdf0b0-2e93-4f62-97e7-b1410a443814" providerId="ADAL" clId="{1E5A8F0A-BD5C-4386-A01A-4DF934FB2FE5}" dt="2025-02-27T03:09:04.523" v="55"/>
-          <ac:spMkLst>
-            <pc:docMk/>
-            <pc:sldMk cId="188149926" sldId="11712"/>
-            <ac:spMk id="5" creationId="{5E13C571-122D-1C6A-3513-938DDB68C12C}"/>
-          </ac:spMkLst>
-        </pc:spChg>
-        <pc:spChg chg="add">
-          <ac:chgData name="USHA NANDHINI S" userId="15cdf0b0-2e93-4f62-97e7-b1410a443814" providerId="ADAL" clId="{1E5A8F0A-BD5C-4386-A01A-4DF934FB2FE5}" dt="2025-02-27T03:09:07.853" v="57"/>
-          <ac:spMkLst>
-            <pc:docMk/>
-            <pc:sldMk cId="188149926" sldId="11712"/>
-            <ac:spMk id="6" creationId="{43F01D91-6A92-8C50-0F5A-082DD5D74892}"/>
-          </ac:spMkLst>
-        </pc:spChg>
       </pc:sldChg>
       <pc:sldChg chg="addSp delSp modSp mod modNotesTx">
         <pc:chgData name="USHA NANDHINI S" userId="15cdf0b0-2e93-4f62-97e7-b1410a443814" providerId="ADAL" clId="{1E5A8F0A-BD5C-4386-A01A-4DF934FB2FE5}" dt="2025-02-27T04:31:14.889" v="573" actId="1076"/>
@@ -771,14 +500,6 @@
             <ac:spMk id="3" creationId="{680E9019-8A58-853B-CDE8-EB015BE8844D}"/>
           </ac:spMkLst>
         </pc:spChg>
-        <pc:spChg chg="del">
-          <ac:chgData name="USHA NANDHINI S" userId="15cdf0b0-2e93-4f62-97e7-b1410a443814" providerId="ADAL" clId="{1E5A8F0A-BD5C-4386-A01A-4DF934FB2FE5}" dt="2025-02-27T03:48:11.257" v="269" actId="478"/>
-          <ac:spMkLst>
-            <pc:docMk/>
-            <pc:sldMk cId="4180396810" sldId="11713"/>
-            <ac:spMk id="5" creationId="{0A5A104B-A737-4718-8739-5A6242E351A6}"/>
-          </ac:spMkLst>
-        </pc:spChg>
         <pc:spChg chg="mod">
           <ac:chgData name="USHA NANDHINI S" userId="15cdf0b0-2e93-4f62-97e7-b1410a443814" providerId="ADAL" clId="{1E5A8F0A-BD5C-4386-A01A-4DF934FB2FE5}" dt="2025-02-27T03:48:26.182" v="280" actId="6549"/>
           <ac:spMkLst>
@@ -787,30 +508,6 @@
             <ac:spMk id="10" creationId="{568C4CE3-BB67-0843-D720-6DE990AEE3F9}"/>
           </ac:spMkLst>
         </pc:spChg>
-        <pc:picChg chg="del">
-          <ac:chgData name="USHA NANDHINI S" userId="15cdf0b0-2e93-4f62-97e7-b1410a443814" providerId="ADAL" clId="{1E5A8F0A-BD5C-4386-A01A-4DF934FB2FE5}" dt="2025-02-27T03:48:06.891" v="267" actId="478"/>
-          <ac:picMkLst>
-            <pc:docMk/>
-            <pc:sldMk cId="4180396810" sldId="11713"/>
-            <ac:picMk id="2" creationId="{F805C44C-7D41-4B86-B63D-BF0429DE24A6}"/>
-          </ac:picMkLst>
-        </pc:picChg>
-        <pc:picChg chg="del">
-          <ac:chgData name="USHA NANDHINI S" userId="15cdf0b0-2e93-4f62-97e7-b1410a443814" providerId="ADAL" clId="{1E5A8F0A-BD5C-4386-A01A-4DF934FB2FE5}" dt="2025-02-27T03:48:08.421" v="268" actId="478"/>
-          <ac:picMkLst>
-            <pc:docMk/>
-            <pc:sldMk cId="4180396810" sldId="11713"/>
-            <ac:picMk id="4" creationId="{AB79A043-421F-4C23-A3B2-FC9A97A84138}"/>
-          </ac:picMkLst>
-        </pc:picChg>
-        <pc:picChg chg="add del mod">
-          <ac:chgData name="USHA NANDHINI S" userId="15cdf0b0-2e93-4f62-97e7-b1410a443814" providerId="ADAL" clId="{1E5A8F0A-BD5C-4386-A01A-4DF934FB2FE5}" dt="2025-02-27T03:49:48.152" v="287" actId="478"/>
-          <ac:picMkLst>
-            <pc:docMk/>
-            <pc:sldMk cId="4180396810" sldId="11713"/>
-            <ac:picMk id="8194" creationId="{36AC1D82-8E75-AF93-4640-1E946ADA09A2}"/>
-          </ac:picMkLst>
-        </pc:picChg>
         <pc:picChg chg="add mod">
           <ac:chgData name="USHA NANDHINI S" userId="15cdf0b0-2e93-4f62-97e7-b1410a443814" providerId="ADAL" clId="{1E5A8F0A-BD5C-4386-A01A-4DF934FB2FE5}" dt="2025-02-27T04:31:14.889" v="573" actId="1076"/>
           <ac:picMkLst>
@@ -840,22 +537,6 @@
           <pc:docMk/>
           <pc:sldMk cId="2803519012" sldId="11716"/>
         </pc:sldMkLst>
-        <pc:spChg chg="del mod">
-          <ac:chgData name="USHA NANDHINI S" userId="15cdf0b0-2e93-4f62-97e7-b1410a443814" providerId="ADAL" clId="{1E5A8F0A-BD5C-4386-A01A-4DF934FB2FE5}" dt="2025-02-27T03:59:05.350" v="327" actId="478"/>
-          <ac:spMkLst>
-            <pc:docMk/>
-            <pc:sldMk cId="2803519012" sldId="11716"/>
-            <ac:spMk id="3" creationId="{E27F4863-ECF4-D4C9-CFEB-E5D46BAFFF82}"/>
-          </ac:spMkLst>
-        </pc:spChg>
-        <pc:spChg chg="del">
-          <ac:chgData name="USHA NANDHINI S" userId="15cdf0b0-2e93-4f62-97e7-b1410a443814" providerId="ADAL" clId="{1E5A8F0A-BD5C-4386-A01A-4DF934FB2FE5}" dt="2025-02-27T03:58:50.176" v="325" actId="478"/>
-          <ac:spMkLst>
-            <pc:docMk/>
-            <pc:sldMk cId="2803519012" sldId="11716"/>
-            <ac:spMk id="5" creationId="{8B719DD0-2182-4982-8F7A-013AC8862227}"/>
-          </ac:spMkLst>
-        </pc:spChg>
         <pc:spChg chg="add mod">
           <ac:chgData name="USHA NANDHINI S" userId="15cdf0b0-2e93-4f62-97e7-b1410a443814" providerId="ADAL" clId="{1E5A8F0A-BD5C-4386-A01A-4DF934FB2FE5}" dt="2025-02-27T04:01:43.271" v="334" actId="1076"/>
           <ac:spMkLst>
@@ -872,14 +553,6 @@
             <ac:spMk id="10" creationId="{A1FBE07B-7B8C-094E-DFB8-DA29C1279A4D}"/>
           </ac:spMkLst>
         </pc:spChg>
-        <pc:picChg chg="del">
-          <ac:chgData name="USHA NANDHINI S" userId="15cdf0b0-2e93-4f62-97e7-b1410a443814" providerId="ADAL" clId="{1E5A8F0A-BD5C-4386-A01A-4DF934FB2FE5}" dt="2025-02-27T03:58:47.791" v="324" actId="478"/>
-          <ac:picMkLst>
-            <pc:docMk/>
-            <pc:sldMk cId="2803519012" sldId="11716"/>
-            <ac:picMk id="4" creationId="{572D718D-8047-4A8A-AC09-2796F2F52F5E}"/>
-          </ac:picMkLst>
-        </pc:picChg>
         <pc:picChg chg="add mod">
           <ac:chgData name="USHA NANDHINI S" userId="15cdf0b0-2e93-4f62-97e7-b1410a443814" providerId="ADAL" clId="{1E5A8F0A-BD5C-4386-A01A-4DF934FB2FE5}" dt="2025-02-27T04:01:37.071" v="332" actId="1076"/>
           <ac:picMkLst>
@@ -902,36 +575,12 @@
           <pc:docMk/>
           <pc:sldMk cId="2900481613" sldId="11717"/>
         </pc:sldMkLst>
-        <pc:spChg chg="add">
-          <ac:chgData name="USHA NANDHINI S" userId="15cdf0b0-2e93-4f62-97e7-b1410a443814" providerId="ADAL" clId="{1E5A8F0A-BD5C-4386-A01A-4DF934FB2FE5}" dt="2025-02-27T04:03:33.441" v="399"/>
-          <ac:spMkLst>
-            <pc:docMk/>
-            <pc:sldMk cId="2900481613" sldId="11717"/>
-            <ac:spMk id="2" creationId="{B2DF385F-3A75-7D92-6D19-2D5ED58A72EC}"/>
-          </ac:spMkLst>
-        </pc:spChg>
         <pc:spChg chg="add mod">
           <ac:chgData name="USHA NANDHINI S" userId="15cdf0b0-2e93-4f62-97e7-b1410a443814" providerId="ADAL" clId="{1E5A8F0A-BD5C-4386-A01A-4DF934FB2FE5}" dt="2025-02-27T04:04:24.131" v="410" actId="1076"/>
           <ac:spMkLst>
             <pc:docMk/>
             <pc:sldMk cId="2900481613" sldId="11717"/>
             <ac:spMk id="4" creationId="{5976BDD3-EE74-3734-4EC0-DE714DE03386}"/>
-          </ac:spMkLst>
-        </pc:spChg>
-        <pc:spChg chg="add">
-          <ac:chgData name="USHA NANDHINI S" userId="15cdf0b0-2e93-4f62-97e7-b1410a443814" providerId="ADAL" clId="{1E5A8F0A-BD5C-4386-A01A-4DF934FB2FE5}" dt="2025-02-27T04:03:55.311" v="402"/>
-          <ac:spMkLst>
-            <pc:docMk/>
-            <pc:sldMk cId="2900481613" sldId="11717"/>
-            <ac:spMk id="5" creationId="{C657AEB3-6D3B-3F13-577E-9272D6AAF19A}"/>
-          </ac:spMkLst>
-        </pc:spChg>
-        <pc:spChg chg="del">
-          <ac:chgData name="USHA NANDHINI S" userId="15cdf0b0-2e93-4f62-97e7-b1410a443814" providerId="ADAL" clId="{1E5A8F0A-BD5C-4386-A01A-4DF934FB2FE5}" dt="2025-02-27T04:03:18.059" v="396" actId="478"/>
-          <ac:spMkLst>
-            <pc:docMk/>
-            <pc:sldMk cId="2900481613" sldId="11717"/>
-            <ac:spMk id="6" creationId="{14BD0426-F205-C4E7-CFED-F804499E888B}"/>
           </ac:spMkLst>
         </pc:spChg>
         <pc:spChg chg="mod">
@@ -942,22 +591,6 @@
             <ac:spMk id="10" creationId="{9D2FE2D5-3A24-1F6C-61C2-7A5396EC40E2}"/>
           </ac:spMkLst>
         </pc:spChg>
-        <pc:picChg chg="add mod">
-          <ac:chgData name="USHA NANDHINI S" userId="15cdf0b0-2e93-4f62-97e7-b1410a443814" providerId="ADAL" clId="{1E5A8F0A-BD5C-4386-A01A-4DF934FB2FE5}" dt="2025-02-27T04:03:44.552" v="400"/>
-          <ac:picMkLst>
-            <pc:docMk/>
-            <pc:sldMk cId="2900481613" sldId="11717"/>
-            <ac:picMk id="3" creationId="{61B2512F-44E0-2504-4EC3-E7C27506ECD0}"/>
-          </ac:picMkLst>
-        </pc:picChg>
-        <pc:picChg chg="del">
-          <ac:chgData name="USHA NANDHINI S" userId="15cdf0b0-2e93-4f62-97e7-b1410a443814" providerId="ADAL" clId="{1E5A8F0A-BD5C-4386-A01A-4DF934FB2FE5}" dt="2025-02-27T04:02:34.331" v="393" actId="478"/>
-          <ac:picMkLst>
-            <pc:docMk/>
-            <pc:sldMk cId="2900481613" sldId="11717"/>
-            <ac:picMk id="10242" creationId="{741425CC-67F6-35AA-AB90-039E150C0E35}"/>
-          </ac:picMkLst>
-        </pc:picChg>
         <pc:picChg chg="add mod">
           <ac:chgData name="USHA NANDHINI S" userId="15cdf0b0-2e93-4f62-97e7-b1410a443814" providerId="ADAL" clId="{1E5A8F0A-BD5C-4386-A01A-4DF934FB2FE5}" dt="2025-02-27T04:03:32.626" v="398" actId="1076"/>
           <ac:picMkLst>
@@ -989,14 +622,6 @@
             <ac:spMk id="10" creationId="{0D1C3E2D-6780-D86E-CB5E-9B9EA192A890}"/>
           </ac:spMkLst>
         </pc:spChg>
-        <pc:picChg chg="del mod">
-          <ac:chgData name="USHA NANDHINI S" userId="15cdf0b0-2e93-4f62-97e7-b1410a443814" providerId="ADAL" clId="{1E5A8F0A-BD5C-4386-A01A-4DF934FB2FE5}" dt="2025-02-27T04:05:05.371" v="416" actId="478"/>
-          <ac:picMkLst>
-            <pc:docMk/>
-            <pc:sldMk cId="1484867997" sldId="11718"/>
-            <ac:picMk id="11266" creationId="{A215C4FE-381C-CA60-BB0B-33632AEA783A}"/>
-          </ac:picMkLst>
-        </pc:picChg>
         <pc:picChg chg="add mod">
           <ac:chgData name="USHA NANDHINI S" userId="15cdf0b0-2e93-4f62-97e7-b1410a443814" providerId="ADAL" clId="{1E5A8F0A-BD5C-4386-A01A-4DF934FB2FE5}" dt="2025-02-27T04:05:30.517" v="426" actId="1076"/>
           <ac:picMkLst>
@@ -1019,22 +644,6 @@
           <pc:docMk/>
           <pc:sldMk cId="2404824537" sldId="11719"/>
         </pc:sldMkLst>
-        <pc:spChg chg="add">
-          <ac:chgData name="USHA NANDHINI S" userId="15cdf0b0-2e93-4f62-97e7-b1410a443814" providerId="ADAL" clId="{1E5A8F0A-BD5C-4386-A01A-4DF934FB2FE5}" dt="2025-02-27T04:05:52.461" v="434"/>
-          <ac:spMkLst>
-            <pc:docMk/>
-            <pc:sldMk cId="2404824537" sldId="11719"/>
-            <ac:spMk id="2" creationId="{E5A09171-9025-8219-47FC-89C8AE7F385B}"/>
-          </ac:spMkLst>
-        </pc:spChg>
-        <pc:spChg chg="del mod">
-          <ac:chgData name="USHA NANDHINI S" userId="15cdf0b0-2e93-4f62-97e7-b1410a443814" providerId="ADAL" clId="{1E5A8F0A-BD5C-4386-A01A-4DF934FB2FE5}" dt="2025-02-27T04:06:06.956" v="438" actId="478"/>
-          <ac:spMkLst>
-            <pc:docMk/>
-            <pc:sldMk cId="2404824537" sldId="11719"/>
-            <ac:spMk id="4" creationId="{1578E94E-A710-72F5-213A-32DE529B60C7}"/>
-          </ac:spMkLst>
-        </pc:spChg>
         <pc:spChg chg="mod">
           <ac:chgData name="USHA NANDHINI S" userId="15cdf0b0-2e93-4f62-97e7-b1410a443814" providerId="ADAL" clId="{1E5A8F0A-BD5C-4386-A01A-4DF934FB2FE5}" dt="2025-02-27T04:05:45.193" v="432"/>
           <ac:spMkLst>
@@ -1043,22 +652,6 @@
             <ac:spMk id="10" creationId="{E7328A15-8B9C-0960-D900-6858BD08DC92}"/>
           </ac:spMkLst>
         </pc:spChg>
-        <pc:picChg chg="del">
-          <ac:chgData name="USHA NANDHINI S" userId="15cdf0b0-2e93-4f62-97e7-b1410a443814" providerId="ADAL" clId="{1E5A8F0A-BD5C-4386-A01A-4DF934FB2FE5}" dt="2025-02-27T04:05:46.501" v="433" actId="478"/>
-          <ac:picMkLst>
-            <pc:docMk/>
-            <pc:sldMk cId="2404824537" sldId="11719"/>
-            <ac:picMk id="12290" creationId="{334E6672-B838-E5E5-1364-F7CA73690C34}"/>
-          </ac:picMkLst>
-        </pc:picChg>
-        <pc:picChg chg="add del mod">
-          <ac:chgData name="USHA NANDHINI S" userId="15cdf0b0-2e93-4f62-97e7-b1410a443814" providerId="ADAL" clId="{1E5A8F0A-BD5C-4386-A01A-4DF934FB2FE5}" dt="2025-02-27T04:07:04.360" v="444" actId="478"/>
-          <ac:picMkLst>
-            <pc:docMk/>
-            <pc:sldMk cId="2404824537" sldId="11719"/>
-            <ac:picMk id="13315" creationId="{5D28D516-1DE6-4B70-2012-E0FA5D7B0E75}"/>
-          </ac:picMkLst>
-        </pc:picChg>
         <pc:picChg chg="add mod">
           <ac:chgData name="USHA NANDHINI S" userId="15cdf0b0-2e93-4f62-97e7-b1410a443814" providerId="ADAL" clId="{1E5A8F0A-BD5C-4386-A01A-4DF934FB2FE5}" dt="2025-02-27T04:08:51.461" v="449" actId="1076"/>
           <ac:picMkLst>
@@ -1104,22 +697,6 @@
             <ac:spMk id="10" creationId="{7A17B953-C3C6-2FF5-56E8-ECCE20FB46B2}"/>
           </ac:spMkLst>
         </pc:spChg>
-        <pc:picChg chg="del">
-          <ac:chgData name="USHA NANDHINI S" userId="15cdf0b0-2e93-4f62-97e7-b1410a443814" providerId="ADAL" clId="{1E5A8F0A-BD5C-4386-A01A-4DF934FB2FE5}" dt="2025-02-27T04:10:14.381" v="453" actId="478"/>
-          <ac:picMkLst>
-            <pc:docMk/>
-            <pc:sldMk cId="2882442755" sldId="11720"/>
-            <ac:picMk id="11266" creationId="{63286E4E-4934-260A-3CB0-CCC3097C57A0}"/>
-          </ac:picMkLst>
-        </pc:picChg>
-        <pc:picChg chg="add">
-          <ac:chgData name="USHA NANDHINI S" userId="15cdf0b0-2e93-4f62-97e7-b1410a443814" providerId="ADAL" clId="{1E5A8F0A-BD5C-4386-A01A-4DF934FB2FE5}" dt="2025-02-27T04:10:17.331" v="454"/>
-          <ac:picMkLst>
-            <pc:docMk/>
-            <pc:sldMk cId="2882442755" sldId="11720"/>
-            <ac:picMk id="14338" creationId="{788C6476-B42E-0CDC-036C-AFD0230A9F1D}"/>
-          </ac:picMkLst>
-        </pc:picChg>
         <pc:picChg chg="add mod">
           <ac:chgData name="USHA NANDHINI S" userId="15cdf0b0-2e93-4f62-97e7-b1410a443814" providerId="ADAL" clId="{1E5A8F0A-BD5C-4386-A01A-4DF934FB2FE5}" dt="2025-02-27T04:10:38.001" v="459" actId="14100"/>
           <ac:picMkLst>
@@ -1135,54 +712,6 @@
           <pc:docMk/>
           <pc:sldMk cId="1908487215" sldId="11721"/>
         </pc:sldMkLst>
-        <pc:spChg chg="add del">
-          <ac:chgData name="USHA NANDHINI S" userId="15cdf0b0-2e93-4f62-97e7-b1410a443814" providerId="ADAL" clId="{1E5A8F0A-BD5C-4386-A01A-4DF934FB2FE5}" dt="2025-02-27T12:09:33.845" v="581" actId="478"/>
-          <ac:spMkLst>
-            <pc:docMk/>
-            <pc:sldMk cId="1908487215" sldId="11721"/>
-            <ac:spMk id="3" creationId="{319AF8DB-0061-B8A8-EF60-37C6B2DC60C7}"/>
-          </ac:spMkLst>
-        </pc:spChg>
-        <pc:spChg chg="add del">
-          <ac:chgData name="USHA NANDHINI S" userId="15cdf0b0-2e93-4f62-97e7-b1410a443814" providerId="ADAL" clId="{1E5A8F0A-BD5C-4386-A01A-4DF934FB2FE5}" dt="2025-02-27T12:13:54.482" v="659" actId="22"/>
-          <ac:spMkLst>
-            <pc:docMk/>
-            <pc:sldMk cId="1908487215" sldId="11721"/>
-            <ac:spMk id="5" creationId="{48BABC32-A909-EAD7-C2AD-6E03FAF9248A}"/>
-          </ac:spMkLst>
-        </pc:spChg>
-        <pc:spChg chg="mod">
-          <ac:chgData name="USHA NANDHINI S" userId="15cdf0b0-2e93-4f62-97e7-b1410a443814" providerId="ADAL" clId="{1E5A8F0A-BD5C-4386-A01A-4DF934FB2FE5}" dt="2025-02-27T12:13:50.887" v="657" actId="20577"/>
-          <ac:spMkLst>
-            <pc:docMk/>
-            <pc:sldMk cId="1908487215" sldId="11721"/>
-            <ac:spMk id="10" creationId="{9248615E-3CF5-C30A-442E-33AD81933335}"/>
-          </ac:spMkLst>
-        </pc:spChg>
-        <pc:picChg chg="add del mod">
-          <ac:chgData name="USHA NANDHINI S" userId="15cdf0b0-2e93-4f62-97e7-b1410a443814" providerId="ADAL" clId="{1E5A8F0A-BD5C-4386-A01A-4DF934FB2FE5}" dt="2025-02-27T12:36:16.145" v="668" actId="478"/>
-          <ac:picMkLst>
-            <pc:docMk/>
-            <pc:sldMk cId="1908487215" sldId="11721"/>
-            <ac:picMk id="7" creationId="{7D452045-E6B2-DD3E-E54E-E38B445DC1DB}"/>
-          </ac:picMkLst>
-        </pc:picChg>
-        <pc:picChg chg="add mod">
-          <ac:chgData name="USHA NANDHINI S" userId="15cdf0b0-2e93-4f62-97e7-b1410a443814" providerId="ADAL" clId="{1E5A8F0A-BD5C-4386-A01A-4DF934FB2FE5}" dt="2025-02-27T12:37:31.430" v="681" actId="14100"/>
-          <ac:picMkLst>
-            <pc:docMk/>
-            <pc:sldMk cId="1908487215" sldId="11721"/>
-            <ac:picMk id="12" creationId="{8C312FBB-691E-CA91-690F-7EA34C30BDC1}"/>
-          </ac:picMkLst>
-        </pc:picChg>
-        <pc:picChg chg="del">
-          <ac:chgData name="USHA NANDHINI S" userId="15cdf0b0-2e93-4f62-97e7-b1410a443814" providerId="ADAL" clId="{1E5A8F0A-BD5C-4386-A01A-4DF934FB2FE5}" dt="2025-02-27T12:09:28.634" v="579" actId="478"/>
-          <ac:picMkLst>
-            <pc:docMk/>
-            <pc:sldMk cId="1908487215" sldId="11721"/>
-            <ac:picMk id="13317" creationId="{6EAB7559-3E2E-0C54-13E7-21FCF75A7CA9}"/>
-          </ac:picMkLst>
-        </pc:picChg>
       </pc:sldChg>
       <pc:sldChg chg="del">
         <pc:chgData name="USHA NANDHINI S" userId="15cdf0b0-2e93-4f62-97e7-b1410a443814" providerId="ADAL" clId="{1E5A8F0A-BD5C-4386-A01A-4DF934FB2FE5}" dt="2025-02-27T04:01:57.601" v="343" actId="47"/>
@@ -1439,6 +968,38 @@
       </pc:sldChg>
     </pc:docChg>
   </pc:docChgLst>
+  <pc:docChgLst>
+    <pc:chgData name="USHA NANDHINI S" userId="15cdf0b0-2e93-4f62-97e7-b1410a443814" providerId="ADAL" clId="{39992D84-B853-4E80-B682-873B394BA812}"/>
+    <pc:docChg chg="addSld modSld">
+      <pc:chgData name="USHA NANDHINI S" userId="15cdf0b0-2e93-4f62-97e7-b1410a443814" providerId="ADAL" clId="{39992D84-B853-4E80-B682-873B394BA812}" dt="2025-03-12T10:05:47.782" v="8" actId="1076"/>
+      <pc:docMkLst>
+        <pc:docMk/>
+      </pc:docMkLst>
+      <pc:sldChg chg="addSp delSp modSp add">
+        <pc:chgData name="USHA NANDHINI S" userId="15cdf0b0-2e93-4f62-97e7-b1410a443814" providerId="ADAL" clId="{39992D84-B853-4E80-B682-873B394BA812}" dt="2025-03-12T10:05:47.782" v="8" actId="1076"/>
+        <pc:sldMkLst>
+          <pc:docMk/>
+          <pc:sldMk cId="3640957215" sldId="11723"/>
+        </pc:sldMkLst>
+        <pc:picChg chg="add mod">
+          <ac:chgData name="USHA NANDHINI S" userId="15cdf0b0-2e93-4f62-97e7-b1410a443814" providerId="ADAL" clId="{39992D84-B853-4E80-B682-873B394BA812}" dt="2025-03-12T10:05:47.782" v="8" actId="1076"/>
+          <ac:picMkLst>
+            <pc:docMk/>
+            <pc:sldMk cId="3640957215" sldId="11723"/>
+            <ac:picMk id="1026" creationId="{25FA598E-7762-03E1-1AC4-DBF94EF3054D}"/>
+          </ac:picMkLst>
+        </pc:picChg>
+        <pc:picChg chg="del">
+          <ac:chgData name="USHA NANDHINI S" userId="15cdf0b0-2e93-4f62-97e7-b1410a443814" providerId="ADAL" clId="{39992D84-B853-4E80-B682-873B394BA812}" dt="2025-03-12T10:05:24.458" v="1" actId="478"/>
+          <ac:picMkLst>
+            <pc:docMk/>
+            <pc:sldMk cId="3640957215" sldId="11723"/>
+            <ac:picMk id="3074" creationId="{1FA78509-64F4-4F93-978B-84315CC0E39E}"/>
+          </ac:picMkLst>
+        </pc:picChg>
+      </pc:sldChg>
+    </pc:docChg>
+  </pc:docChgLst>
 </pc:chgInfo>
 </file>
 
@@ -1524,7 +1085,7 @@
           <a:p>
             <a:fld id="{A1FEA251-E139-41FE-A737-B31D057964B9}" type="datetimeFigureOut">
               <a:rPr lang="en-IN" smtClean="0"/>
-              <a:t>27-02-2025</a:t>
+              <a:t>12-03-2025</a:t>
             </a:fld>
             <a:endParaRPr lang="en-IN"/>
           </a:p>
@@ -1881,6 +1442,90 @@
   <p:cSld>
     <p:spTree>
       <p:nvGrpSpPr>
+        <p:cNvPr id="1" name=""/>
+        <p:cNvGrpSpPr/>
+        <p:nvPr/>
+      </p:nvGrpSpPr>
+      <p:grpSpPr>
+        <a:xfrm>
+          <a:off x="0" y="0"/>
+          <a:ext cx="0" cy="0"/>
+          <a:chOff x="0" y="0"/>
+          <a:chExt cx="0" cy="0"/>
+        </a:xfrm>
+      </p:grpSpPr>
+      <p:sp>
+        <p:nvSpPr>
+          <p:cNvPr id="2" name="Slide Image Placeholder 1"/>
+          <p:cNvSpPr>
+            <a:spLocks noGrp="1" noRot="1" noChangeAspect="1"/>
+          </p:cNvSpPr>
+          <p:nvPr>
+            <p:ph type="sldImg"/>
+          </p:nvPr>
+        </p:nvSpPr>
+        <p:spPr/>
+      </p:sp>
+      <p:sp>
+        <p:nvSpPr>
+          <p:cNvPr id="3" name="Notes Placeholder 2"/>
+          <p:cNvSpPr>
+            <a:spLocks noGrp="1"/>
+          </p:cNvSpPr>
+          <p:nvPr>
+            <p:ph type="body" idx="1"/>
+          </p:nvPr>
+        </p:nvSpPr>
+        <p:spPr/>
+        <p:txBody>
+          <a:bodyPr/>
+          <a:lstStyle/>
+          <a:p>
+            <a:endParaRPr lang="en-US" dirty="0"/>
+          </a:p>
+        </p:txBody>
+      </p:sp>
+      <p:sp>
+        <p:nvSpPr>
+          <p:cNvPr id="4" name="Slide Number Placeholder 3"/>
+          <p:cNvSpPr>
+            <a:spLocks noGrp="1"/>
+          </p:cNvSpPr>
+          <p:nvPr>
+            <p:ph type="sldNum" sz="quarter" idx="5"/>
+          </p:nvPr>
+        </p:nvSpPr>
+        <p:spPr/>
+        <p:txBody>
+          <a:bodyPr/>
+          <a:lstStyle/>
+          <a:p>
+            <a:fld id="{B544E652-197F-402B-982D-4D9D55D9F48E}" type="slidenum">
+              <a:rPr lang="en-IN" smtClean="0"/>
+              <a:t>11</a:t>
+            </a:fld>
+            <a:endParaRPr lang="en-IN"/>
+          </a:p>
+        </p:txBody>
+      </p:sp>
+    </p:spTree>
+    <p:extLst>
+      <p:ext uri="{BB962C8B-B14F-4D97-AF65-F5344CB8AC3E}">
+        <p14:creationId xmlns:p14="http://schemas.microsoft.com/office/powerpoint/2010/main" val="1842584097"/>
+      </p:ext>
+    </p:extLst>
+  </p:cSld>
+  <p:clrMapOvr>
+    <a:masterClrMapping/>
+  </p:clrMapOvr>
+</p:notes>
+</file>
+
+<file path=ppt/notesSlides/notesSlide11.xml><?xml version="1.0" encoding="utf-8"?>
+<p:notes xmlns:a="http://schemas.openxmlformats.org/drawingml/2006/main" xmlns:r="http://schemas.openxmlformats.org/officeDocument/2006/relationships" xmlns:p="http://schemas.openxmlformats.org/presentationml/2006/main">
+  <p:cSld>
+    <p:spTree>
+      <p:nvGrpSpPr>
         <p:cNvPr id="1" name="">
           <a:extLst>
             <a:ext uri="{FF2B5EF4-FFF2-40B4-BE49-F238E27FC236}">
@@ -1965,7 +1610,7 @@
           <a:p>
             <a:fld id="{B544E652-197F-402B-982D-4D9D55D9F48E}" type="slidenum">
               <a:rPr lang="en-IN" smtClean="0"/>
-              <a:t>11</a:t>
+              <a:t>12</a:t>
             </a:fld>
             <a:endParaRPr lang="en-IN"/>
           </a:p>
@@ -1984,7 +1629,7 @@
 </p:notes>
 </file>
 
-<file path=ppt/notesSlides/notesSlide11.xml><?xml version="1.0" encoding="utf-8"?>
+<file path=ppt/notesSlides/notesSlide12.xml><?xml version="1.0" encoding="utf-8"?>
 <p:notes xmlns:a="http://schemas.openxmlformats.org/drawingml/2006/main" xmlns:r="http://schemas.openxmlformats.org/officeDocument/2006/relationships" xmlns:p="http://schemas.openxmlformats.org/presentationml/2006/main">
   <p:cSld>
     <p:spTree>
@@ -2073,7 +1718,7 @@
           <a:p>
             <a:fld id="{B544E652-197F-402B-982D-4D9D55D9F48E}" type="slidenum">
               <a:rPr lang="en-IN" smtClean="0"/>
-              <a:t>12</a:t>
+              <a:t>13</a:t>
             </a:fld>
             <a:endParaRPr lang="en-IN"/>
           </a:p>
@@ -2092,7 +1737,7 @@
 </p:notes>
 </file>
 
-<file path=ppt/notesSlides/notesSlide12.xml><?xml version="1.0" encoding="utf-8"?>
+<file path=ppt/notesSlides/notesSlide13.xml><?xml version="1.0" encoding="utf-8"?>
 <p:notes xmlns:a="http://schemas.openxmlformats.org/drawingml/2006/main" xmlns:r="http://schemas.openxmlformats.org/officeDocument/2006/relationships" xmlns:p="http://schemas.openxmlformats.org/presentationml/2006/main">
   <p:cSld>
     <p:spTree>
@@ -2181,7 +1826,7 @@
           <a:p>
             <a:fld id="{B544E652-197F-402B-982D-4D9D55D9F48E}" type="slidenum">
               <a:rPr lang="en-IN" smtClean="0"/>
-              <a:t>13</a:t>
+              <a:t>14</a:t>
             </a:fld>
             <a:endParaRPr lang="en-IN"/>
           </a:p>
@@ -2200,7 +1845,7 @@
 </p:notes>
 </file>
 
-<file path=ppt/notesSlides/notesSlide13.xml><?xml version="1.0" encoding="utf-8"?>
+<file path=ppt/notesSlides/notesSlide14.xml><?xml version="1.0" encoding="utf-8"?>
 <p:notes xmlns:a="http://schemas.openxmlformats.org/drawingml/2006/main" xmlns:r="http://schemas.openxmlformats.org/officeDocument/2006/relationships" xmlns:p="http://schemas.openxmlformats.org/presentationml/2006/main">
   <p:cSld>
     <p:spTree>
@@ -2289,7 +1934,7 @@
           <a:p>
             <a:fld id="{B544E652-197F-402B-982D-4D9D55D9F48E}" type="slidenum">
               <a:rPr lang="en-IN" smtClean="0"/>
-              <a:t>14</a:t>
+              <a:t>15</a:t>
             </a:fld>
             <a:endParaRPr lang="en-IN"/>
           </a:p>
@@ -2308,7 +1953,7 @@
 </p:notes>
 </file>
 
-<file path=ppt/notesSlides/notesSlide14.xml><?xml version="1.0" encoding="utf-8"?>
+<file path=ppt/notesSlides/notesSlide15.xml><?xml version="1.0" encoding="utf-8"?>
 <p:notes xmlns:a="http://schemas.openxmlformats.org/drawingml/2006/main" xmlns:r="http://schemas.openxmlformats.org/officeDocument/2006/relationships" xmlns:p="http://schemas.openxmlformats.org/presentationml/2006/main">
   <p:cSld>
     <p:spTree>
@@ -2397,7 +2042,7 @@
           <a:p>
             <a:fld id="{B544E652-197F-402B-982D-4D9D55D9F48E}" type="slidenum">
               <a:rPr lang="en-IN" smtClean="0"/>
-              <a:t>15</a:t>
+              <a:t>16</a:t>
             </a:fld>
             <a:endParaRPr lang="en-IN"/>
           </a:p>
@@ -2505,7 +2150,13 @@
   <p:cSld>
     <p:spTree>
       <p:nvGrpSpPr>
-        <p:cNvPr id="1" name=""/>
+        <p:cNvPr id="1" name="">
+          <a:extLst>
+            <a:ext uri="{FF2B5EF4-FFF2-40B4-BE49-F238E27FC236}">
+              <a16:creationId xmlns:a16="http://schemas.microsoft.com/office/drawing/2014/main" id="{2C1E77F6-22DE-FF4C-33DC-D3DF2CF66EC5}"/>
+            </a:ext>
+          </a:extLst>
+        </p:cNvPr>
         <p:cNvGrpSpPr/>
         <p:nvPr/>
       </p:nvGrpSpPr>
@@ -2519,7 +2170,13 @@
       </p:grpSpPr>
       <p:sp>
         <p:nvSpPr>
-          <p:cNvPr id="2" name="Slide Image Placeholder 1"/>
+          <p:cNvPr id="2" name="Slide Image Placeholder 1">
+            <a:extLst>
+              <a:ext uri="{FF2B5EF4-FFF2-40B4-BE49-F238E27FC236}">
+                <a16:creationId xmlns:a16="http://schemas.microsoft.com/office/drawing/2014/main" id="{9FAD5B4B-7A21-3470-50ED-F06EEE947689}"/>
+              </a:ext>
+            </a:extLst>
+          </p:cNvPr>
           <p:cNvSpPr>
             <a:spLocks noGrp="1" noRot="1" noChangeAspect="1"/>
           </p:cNvSpPr>
@@ -2531,7 +2188,13 @@
       </p:sp>
       <p:sp>
         <p:nvSpPr>
-          <p:cNvPr id="3" name="Notes Placeholder 2"/>
+          <p:cNvPr id="3" name="Notes Placeholder 2">
+            <a:extLst>
+              <a:ext uri="{FF2B5EF4-FFF2-40B4-BE49-F238E27FC236}">
+                <a16:creationId xmlns:a16="http://schemas.microsoft.com/office/drawing/2014/main" id="{EA0B2C6C-E05F-C19B-9F52-C9667BF3978D}"/>
+              </a:ext>
+            </a:extLst>
+          </p:cNvPr>
           <p:cNvSpPr>
             <a:spLocks noGrp="1"/>
           </p:cNvSpPr>
@@ -2550,7 +2213,13 @@
       </p:sp>
       <p:sp>
         <p:nvSpPr>
-          <p:cNvPr id="4" name="Slide Number Placeholder 3"/>
+          <p:cNvPr id="4" name="Slide Number Placeholder 3">
+            <a:extLst>
+              <a:ext uri="{FF2B5EF4-FFF2-40B4-BE49-F238E27FC236}">
+                <a16:creationId xmlns:a16="http://schemas.microsoft.com/office/drawing/2014/main" id="{6B2BC2EA-3FE1-72C3-218A-828D2606EC37}"/>
+              </a:ext>
+            </a:extLst>
+          </p:cNvPr>
           <p:cNvSpPr>
             <a:spLocks noGrp="1"/>
           </p:cNvSpPr>
@@ -2574,7 +2243,7 @@
     </p:spTree>
     <p:extLst>
       <p:ext uri="{BB962C8B-B14F-4D97-AF65-F5344CB8AC3E}">
-        <p14:creationId xmlns:p14="http://schemas.microsoft.com/office/powerpoint/2010/main" val="2095566093"/>
+        <p14:creationId xmlns:p14="http://schemas.microsoft.com/office/powerpoint/2010/main" val="3987923877"/>
       </p:ext>
     </p:extLst>
   </p:cSld>
@@ -2628,23 +2297,6 @@
           <a:bodyPr/>
           <a:lstStyle/>
           <a:p>
-            <a:pPr marL="0" marR="0" lvl="0" indent="0" algn="l" defTabSz="914400" rtl="0" eaLnBrk="1" fontAlgn="auto" latinLnBrk="0" hangingPunct="1">
-              <a:lnSpc>
-                <a:spcPct val="100000"/>
-              </a:lnSpc>
-              <a:spcBef>
-                <a:spcPts val="0"/>
-              </a:spcBef>
-              <a:spcAft>
-                <a:spcPts val="0"/>
-              </a:spcAft>
-              <a:buClrTx/>
-              <a:buSzTx/>
-              <a:buFontTx/>
-              <a:buNone/>
-              <a:tabLst/>
-              <a:defRPr/>
-            </a:pPr>
             <a:endParaRPr lang="en-US" dirty="0"/>
           </a:p>
         </p:txBody>
@@ -2675,7 +2327,7 @@
     </p:spTree>
     <p:extLst>
       <p:ext uri="{BB962C8B-B14F-4D97-AF65-F5344CB8AC3E}">
-        <p14:creationId xmlns:p14="http://schemas.microsoft.com/office/powerpoint/2010/main" val="1828101310"/>
+        <p14:creationId xmlns:p14="http://schemas.microsoft.com/office/powerpoint/2010/main" val="2095566093"/>
       </p:ext>
     </p:extLst>
   </p:cSld>
@@ -2729,6 +2381,23 @@
           <a:bodyPr/>
           <a:lstStyle/>
           <a:p>
+            <a:pPr marL="0" marR="0" lvl="0" indent="0" algn="l" defTabSz="914400" rtl="0" eaLnBrk="1" fontAlgn="auto" latinLnBrk="0" hangingPunct="1">
+              <a:lnSpc>
+                <a:spcPct val="100000"/>
+              </a:lnSpc>
+              <a:spcBef>
+                <a:spcPts val="0"/>
+              </a:spcBef>
+              <a:spcAft>
+                <a:spcPts val="0"/>
+              </a:spcAft>
+              <a:buClrTx/>
+              <a:buSzTx/>
+              <a:buFontTx/>
+              <a:buNone/>
+              <a:tabLst/>
+              <a:defRPr/>
+            </a:pPr>
             <a:endParaRPr lang="en-US" dirty="0"/>
           </a:p>
         </p:txBody>
@@ -2759,7 +2428,7 @@
     </p:spTree>
     <p:extLst>
       <p:ext uri="{BB962C8B-B14F-4D97-AF65-F5344CB8AC3E}">
-        <p14:creationId xmlns:p14="http://schemas.microsoft.com/office/powerpoint/2010/main" val="3858620127"/>
+        <p14:creationId xmlns:p14="http://schemas.microsoft.com/office/powerpoint/2010/main" val="1828101310"/>
       </p:ext>
     </p:extLst>
   </p:cSld>
@@ -2843,7 +2512,7 @@
     </p:spTree>
     <p:extLst>
       <p:ext uri="{BB962C8B-B14F-4D97-AF65-F5344CB8AC3E}">
-        <p14:creationId xmlns:p14="http://schemas.microsoft.com/office/powerpoint/2010/main" val="2479218577"/>
+        <p14:creationId xmlns:p14="http://schemas.microsoft.com/office/powerpoint/2010/main" val="3858620127"/>
       </p:ext>
     </p:extLst>
   </p:cSld>
@@ -2927,7 +2596,7 @@
     </p:spTree>
     <p:extLst>
       <p:ext uri="{BB962C8B-B14F-4D97-AF65-F5344CB8AC3E}">
-        <p14:creationId xmlns:p14="http://schemas.microsoft.com/office/powerpoint/2010/main" val="3810071416"/>
+        <p14:creationId xmlns:p14="http://schemas.microsoft.com/office/powerpoint/2010/main" val="2479218577"/>
       </p:ext>
     </p:extLst>
   </p:cSld>
@@ -3011,7 +2680,7 @@
     </p:spTree>
     <p:extLst>
       <p:ext uri="{BB962C8B-B14F-4D97-AF65-F5344CB8AC3E}">
-        <p14:creationId xmlns:p14="http://schemas.microsoft.com/office/powerpoint/2010/main" val="3045796286"/>
+        <p14:creationId xmlns:p14="http://schemas.microsoft.com/office/powerpoint/2010/main" val="3810071416"/>
       </p:ext>
     </p:extLst>
   </p:cSld>
@@ -3095,7 +2764,7 @@
     </p:spTree>
     <p:extLst>
       <p:ext uri="{BB962C8B-B14F-4D97-AF65-F5344CB8AC3E}">
-        <p14:creationId xmlns:p14="http://schemas.microsoft.com/office/powerpoint/2010/main" val="1842584097"/>
+        <p14:creationId xmlns:p14="http://schemas.microsoft.com/office/powerpoint/2010/main" val="3045796286"/>
       </p:ext>
     </p:extLst>
   </p:cSld>
@@ -3254,7 +2923,7 @@
           <a:p>
             <a:fld id="{556EC8AE-FD76-4085-A0F8-6EBDE65228C0}" type="datetimeFigureOut">
               <a:rPr lang="en-IN" smtClean="0"/>
-              <a:t>27-02-2025</a:t>
+              <a:t>12-03-2025</a:t>
             </a:fld>
             <a:endParaRPr lang="en-IN"/>
           </a:p>
@@ -3462,7 +3131,7 @@
           <a:p>
             <a:fld id="{556EC8AE-FD76-4085-A0F8-6EBDE65228C0}" type="datetimeFigureOut">
               <a:rPr lang="en-IN" smtClean="0"/>
-              <a:t>27-02-2025</a:t>
+              <a:t>12-03-2025</a:t>
             </a:fld>
             <a:endParaRPr lang="en-IN"/>
           </a:p>
@@ -3680,7 +3349,7 @@
           <a:p>
             <a:fld id="{556EC8AE-FD76-4085-A0F8-6EBDE65228C0}" type="datetimeFigureOut">
               <a:rPr lang="en-IN" smtClean="0"/>
-              <a:t>27-02-2025</a:t>
+              <a:t>12-03-2025</a:t>
             </a:fld>
             <a:endParaRPr lang="en-IN"/>
           </a:p>
@@ -3892,7 +3561,7 @@
           <a:p>
             <a:fld id="{F919D3E5-AF57-4B86-B5F7-668B736E0C29}" type="datetimeFigureOut">
               <a:rPr lang="en-GB" smtClean="0"/>
-              <a:t>27/02/2025</a:t>
+              <a:t>12/03/2025</a:t>
             </a:fld>
             <a:endParaRPr lang="en-GB"/>
           </a:p>
@@ -4062,7 +3731,7 @@
           <a:p>
             <a:fld id="{F919D3E5-AF57-4B86-B5F7-668B736E0C29}" type="datetimeFigureOut">
               <a:rPr lang="en-GB" smtClean="0"/>
-              <a:t>27/02/2025</a:t>
+              <a:t>12/03/2025</a:t>
             </a:fld>
             <a:endParaRPr lang="en-GB"/>
           </a:p>
@@ -4308,7 +3977,7 @@
           <a:p>
             <a:fld id="{F919D3E5-AF57-4B86-B5F7-668B736E0C29}" type="datetimeFigureOut">
               <a:rPr lang="en-GB" smtClean="0"/>
-              <a:t>27/02/2025</a:t>
+              <a:t>12/03/2025</a:t>
             </a:fld>
             <a:endParaRPr lang="en-GB"/>
           </a:p>
@@ -4540,7 +4209,7 @@
           <a:p>
             <a:fld id="{F919D3E5-AF57-4B86-B5F7-668B736E0C29}" type="datetimeFigureOut">
               <a:rPr lang="en-GB" smtClean="0"/>
-              <a:t>27/02/2025</a:t>
+              <a:t>12/03/2025</a:t>
             </a:fld>
             <a:endParaRPr lang="en-GB"/>
           </a:p>
@@ -4907,7 +4576,7 @@
           <a:p>
             <a:fld id="{F919D3E5-AF57-4B86-B5F7-668B736E0C29}" type="datetimeFigureOut">
               <a:rPr lang="en-GB" smtClean="0"/>
-              <a:t>27/02/2025</a:t>
+              <a:t>12/03/2025</a:t>
             </a:fld>
             <a:endParaRPr lang="en-GB"/>
           </a:p>
@@ -5025,7 +4694,7 @@
           <a:p>
             <a:fld id="{F919D3E5-AF57-4B86-B5F7-668B736E0C29}" type="datetimeFigureOut">
               <a:rPr lang="en-GB" smtClean="0"/>
-              <a:t>27/02/2025</a:t>
+              <a:t>12/03/2025</a:t>
             </a:fld>
             <a:endParaRPr lang="en-GB"/>
           </a:p>
@@ -5120,7 +4789,7 @@
           <a:p>
             <a:fld id="{F919D3E5-AF57-4B86-B5F7-668B736E0C29}" type="datetimeFigureOut">
               <a:rPr lang="en-GB" smtClean="0"/>
-              <a:t>27/02/2025</a:t>
+              <a:t>12/03/2025</a:t>
             </a:fld>
             <a:endParaRPr lang="en-GB"/>
           </a:p>
@@ -5397,7 +5066,7 @@
           <a:p>
             <a:fld id="{F919D3E5-AF57-4B86-B5F7-668B736E0C29}" type="datetimeFigureOut">
               <a:rPr lang="en-GB" smtClean="0"/>
-              <a:t>27/02/2025</a:t>
+              <a:t>12/03/2025</a:t>
             </a:fld>
             <a:endParaRPr lang="en-GB"/>
           </a:p>
@@ -5585,7 +5254,7 @@
           <a:p>
             <a:fld id="{556EC8AE-FD76-4085-A0F8-6EBDE65228C0}" type="datetimeFigureOut">
               <a:rPr lang="en-IN" smtClean="0"/>
-              <a:t>27-02-2025</a:t>
+              <a:t>12-03-2025</a:t>
             </a:fld>
             <a:endParaRPr lang="en-IN"/>
           </a:p>
@@ -5862,7 +5531,7 @@
           <a:p>
             <a:fld id="{F919D3E5-AF57-4B86-B5F7-668B736E0C29}" type="datetimeFigureOut">
               <a:rPr lang="en-GB" smtClean="0"/>
-              <a:t>27/02/2025</a:t>
+              <a:t>12/03/2025</a:t>
             </a:fld>
             <a:endParaRPr lang="en-GB"/>
           </a:p>
@@ -6032,7 +5701,7 @@
           <a:p>
             <a:fld id="{F919D3E5-AF57-4B86-B5F7-668B736E0C29}" type="datetimeFigureOut">
               <a:rPr lang="en-GB" smtClean="0"/>
-              <a:t>27/02/2025</a:t>
+              <a:t>12/03/2025</a:t>
             </a:fld>
             <a:endParaRPr lang="en-GB"/>
           </a:p>
@@ -6212,7 +5881,7 @@
           <a:p>
             <a:fld id="{F919D3E5-AF57-4B86-B5F7-668B736E0C29}" type="datetimeFigureOut">
               <a:rPr lang="en-GB" smtClean="0"/>
-              <a:t>27/02/2025</a:t>
+              <a:t>12/03/2025</a:t>
             </a:fld>
             <a:endParaRPr lang="en-GB"/>
           </a:p>
@@ -6685,7 +6354,7 @@
           <a:p>
             <a:fld id="{556EC8AE-FD76-4085-A0F8-6EBDE65228C0}" type="datetimeFigureOut">
               <a:rPr lang="en-IN" smtClean="0"/>
-              <a:t>27-02-2025</a:t>
+              <a:t>12-03-2025</a:t>
             </a:fld>
             <a:endParaRPr lang="en-IN"/>
           </a:p>
@@ -6961,7 +6630,7 @@
           <a:p>
             <a:fld id="{556EC8AE-FD76-4085-A0F8-6EBDE65228C0}" type="datetimeFigureOut">
               <a:rPr lang="en-IN" smtClean="0"/>
-              <a:t>27-02-2025</a:t>
+              <a:t>12-03-2025</a:t>
             </a:fld>
             <a:endParaRPr lang="en-IN"/>
           </a:p>
@@ -7384,7 +7053,7 @@
           <a:p>
             <a:fld id="{556EC8AE-FD76-4085-A0F8-6EBDE65228C0}" type="datetimeFigureOut">
               <a:rPr lang="en-IN" smtClean="0"/>
-              <a:t>27-02-2025</a:t>
+              <a:t>12-03-2025</a:t>
             </a:fld>
             <a:endParaRPr lang="en-IN"/>
           </a:p>
@@ -7534,7 +7203,7 @@
           <a:p>
             <a:fld id="{556EC8AE-FD76-4085-A0F8-6EBDE65228C0}" type="datetimeFigureOut">
               <a:rPr lang="en-IN" smtClean="0"/>
-              <a:t>27-02-2025</a:t>
+              <a:t>12-03-2025</a:t>
             </a:fld>
             <a:endParaRPr lang="en-IN"/>
           </a:p>
@@ -7655,7 +7324,7 @@
           <a:p>
             <a:fld id="{556EC8AE-FD76-4085-A0F8-6EBDE65228C0}" type="datetimeFigureOut">
               <a:rPr lang="en-IN" smtClean="0"/>
-              <a:t>27-02-2025</a:t>
+              <a:t>12-03-2025</a:t>
             </a:fld>
             <a:endParaRPr lang="en-IN"/>
           </a:p>
@@ -7976,7 +7645,7 @@
           <a:p>
             <a:fld id="{556EC8AE-FD76-4085-A0F8-6EBDE65228C0}" type="datetimeFigureOut">
               <a:rPr lang="en-IN" smtClean="0"/>
-              <a:t>27-02-2025</a:t>
+              <a:t>12-03-2025</a:t>
             </a:fld>
             <a:endParaRPr lang="en-IN"/>
           </a:p>
@@ -8273,7 +7942,7 @@
           <a:p>
             <a:fld id="{556EC8AE-FD76-4085-A0F8-6EBDE65228C0}" type="datetimeFigureOut">
               <a:rPr lang="en-IN" smtClean="0"/>
-              <a:t>27-02-2025</a:t>
+              <a:t>12-03-2025</a:t>
             </a:fld>
             <a:endParaRPr lang="en-IN"/>
           </a:p>
@@ -8527,7 +8196,7 @@
           <a:p>
             <a:fld id="{556EC8AE-FD76-4085-A0F8-6EBDE65228C0}" type="datetimeFigureOut">
               <a:rPr lang="en-IN" smtClean="0"/>
-              <a:t>27-02-2025</a:t>
+              <a:t>12-03-2025</a:t>
             </a:fld>
             <a:endParaRPr lang="en-IN"/>
           </a:p>
@@ -9144,7 +8813,7 @@
           <a:p>
             <a:fld id="{F919D3E5-AF57-4B86-B5F7-668B736E0C29}" type="datetimeFigureOut">
               <a:rPr lang="en-GB" smtClean="0"/>
-              <a:t>27/02/2025</a:t>
+              <a:t>12/03/2025</a:t>
             </a:fld>
             <a:endParaRPr lang="en-GB"/>
           </a:p>
@@ -10173,6 +9842,212 @@
         <p:cNvPr id="1" name="">
           <a:extLst>
             <a:ext uri="{FF2B5EF4-FFF2-40B4-BE49-F238E27FC236}">
+              <a16:creationId xmlns:a16="http://schemas.microsoft.com/office/drawing/2014/main" id="{94435258-CFF3-A4B0-30FE-93FC72A62151}"/>
+            </a:ext>
+          </a:extLst>
+        </p:cNvPr>
+        <p:cNvGrpSpPr/>
+        <p:nvPr/>
+      </p:nvGrpSpPr>
+      <p:grpSpPr>
+        <a:xfrm>
+          <a:off x="0" y="0"/>
+          <a:ext cx="0" cy="0"/>
+          <a:chOff x="0" y="0"/>
+          <a:chExt cx="0" cy="0"/>
+        </a:xfrm>
+      </p:grpSpPr>
+      <p:grpSp>
+        <p:nvGrpSpPr>
+          <p:cNvPr id="8" name="Group 7">
+            <a:extLst>
+              <a:ext uri="{FF2B5EF4-FFF2-40B4-BE49-F238E27FC236}">
+                <a16:creationId xmlns:a16="http://schemas.microsoft.com/office/drawing/2014/main" id="{81DAA514-AF51-F3B5-E47A-C649310A88DD}"/>
+              </a:ext>
+            </a:extLst>
+          </p:cNvPr>
+          <p:cNvGrpSpPr/>
+          <p:nvPr/>
+        </p:nvGrpSpPr>
+        <p:grpSpPr>
+          <a:xfrm>
+            <a:off x="2270743" y="307454"/>
+            <a:ext cx="8023502" cy="666323"/>
+            <a:chOff x="19085" y="671"/>
+            <a:chExt cx="8345982" cy="1116857"/>
+          </a:xfrm>
+        </p:grpSpPr>
+        <p:sp>
+          <p:nvSpPr>
+            <p:cNvPr id="9" name="Rectangle 8">
+              <a:extLst>
+                <a:ext uri="{FF2B5EF4-FFF2-40B4-BE49-F238E27FC236}">
+                  <a16:creationId xmlns:a16="http://schemas.microsoft.com/office/drawing/2014/main" id="{9594A6F8-60ED-D8E1-A477-9C47CE27F4EF}"/>
+                </a:ext>
+              </a:extLst>
+            </p:cNvPr>
+            <p:cNvSpPr/>
+            <p:nvPr/>
+          </p:nvSpPr>
+          <p:spPr>
+            <a:xfrm>
+              <a:off x="19085" y="671"/>
+              <a:ext cx="8345982" cy="1116857"/>
+            </a:xfrm>
+            <a:prstGeom prst="rect">
+              <a:avLst/>
+            </a:prstGeom>
+            <a:solidFill>
+              <a:srgbClr val="009680"/>
+            </a:solidFill>
+          </p:spPr>
+          <p:style>
+            <a:lnRef idx="2">
+              <a:schemeClr val="lt1">
+                <a:hueOff val="0"/>
+                <a:satOff val="0"/>
+                <a:lumOff val="0"/>
+                <a:alphaOff val="0"/>
+              </a:schemeClr>
+            </a:lnRef>
+            <a:fillRef idx="1">
+              <a:scrgbClr r="0" g="0" b="0"/>
+            </a:fillRef>
+            <a:effectRef idx="0">
+              <a:schemeClr val="accent1">
+                <a:hueOff val="0"/>
+                <a:satOff val="0"/>
+                <a:lumOff val="0"/>
+                <a:alphaOff val="0"/>
+              </a:schemeClr>
+            </a:effectRef>
+            <a:fontRef idx="minor">
+              <a:schemeClr val="lt1"/>
+            </a:fontRef>
+          </p:style>
+          <p:txBody>
+            <a:bodyPr/>
+            <a:lstStyle/>
+            <a:p>
+              <a:endParaRPr lang="en-US"/>
+            </a:p>
+          </p:txBody>
+        </p:sp>
+        <p:sp>
+          <p:nvSpPr>
+            <p:cNvPr id="10" name="TextBox 9">
+              <a:extLst>
+                <a:ext uri="{FF2B5EF4-FFF2-40B4-BE49-F238E27FC236}">
+                  <a16:creationId xmlns:a16="http://schemas.microsoft.com/office/drawing/2014/main" id="{CF1E34EA-C4D9-723E-B6D1-9926E4929F4E}"/>
+                </a:ext>
+              </a:extLst>
+            </p:cNvPr>
+            <p:cNvSpPr txBox="1"/>
+            <p:nvPr/>
+          </p:nvSpPr>
+          <p:spPr>
+            <a:xfrm>
+              <a:off x="19085" y="671"/>
+              <a:ext cx="8345982" cy="1116857"/>
+            </a:xfrm>
+            <a:prstGeom prst="rect">
+              <a:avLst/>
+            </a:prstGeom>
+          </p:spPr>
+          <p:style>
+            <a:lnRef idx="0">
+              <a:scrgbClr r="0" g="0" b="0"/>
+            </a:lnRef>
+            <a:fillRef idx="0">
+              <a:scrgbClr r="0" g="0" b="0"/>
+            </a:fillRef>
+            <a:effectRef idx="0">
+              <a:scrgbClr r="0" g="0" b="0"/>
+            </a:effectRef>
+            <a:fontRef idx="minor">
+              <a:schemeClr val="lt1"/>
+            </a:fontRef>
+          </p:style>
+          <p:txBody>
+            <a:bodyPr spcFirstLastPara="0" vert="horz" wrap="square" lIns="41275" tIns="41275" rIns="41275" bIns="41275" numCol="1" spcCol="1270" anchor="ctr" anchorCtr="0">
+              <a:noAutofit/>
+            </a:bodyPr>
+            <a:lstStyle/>
+            <a:p>
+              <a:pPr lvl="0" algn="ctr" defTabSz="2889250">
+                <a:lnSpc>
+                  <a:spcPct val="90000"/>
+                </a:lnSpc>
+                <a:spcBef>
+                  <a:spcPct val="0"/>
+                </a:spcBef>
+                <a:spcAft>
+                  <a:spcPct val="35000"/>
+                </a:spcAft>
+              </a:pPr>
+              <a:r>
+                <a:rPr lang="en-US" sz="2800" b="1" dirty="0">
+                  <a:ea typeface="Tahoma" panose="020B0604030504040204" pitchFamily="34" charset="0"/>
+                  <a:cs typeface="Times New Roman" panose="02020603050405020304" pitchFamily="18" charset="0"/>
+                </a:rPr>
+                <a:t>Unsupervised Learning Tasks</a:t>
+              </a:r>
+              <a:endParaRPr lang="en-US" sz="2800" b="1" kern="1200" dirty="0"/>
+            </a:p>
+          </p:txBody>
+        </p:sp>
+      </p:grpSp>
+      <p:pic>
+        <p:nvPicPr>
+          <p:cNvPr id="12" name="Picture 11">
+            <a:extLst>
+              <a:ext uri="{FF2B5EF4-FFF2-40B4-BE49-F238E27FC236}">
+                <a16:creationId xmlns:a16="http://schemas.microsoft.com/office/drawing/2014/main" id="{4B061820-AF77-920C-27CA-C4F79E1B2049}"/>
+              </a:ext>
+            </a:extLst>
+          </p:cNvPr>
+          <p:cNvPicPr>
+            <a:picLocks noChangeAspect="1"/>
+          </p:cNvPicPr>
+          <p:nvPr/>
+        </p:nvPicPr>
+        <p:blipFill>
+          <a:blip r:embed="rId3"/>
+          <a:stretch>
+            <a:fillRect/>
+          </a:stretch>
+        </p:blipFill>
+        <p:spPr>
+          <a:xfrm>
+            <a:off x="917098" y="1853614"/>
+            <a:ext cx="10357804" cy="3873417"/>
+          </a:xfrm>
+          <a:prstGeom prst="rect">
+            <a:avLst/>
+          </a:prstGeom>
+        </p:spPr>
+      </p:pic>
+    </p:spTree>
+    <p:extLst>
+      <p:ext uri="{BB962C8B-B14F-4D97-AF65-F5344CB8AC3E}">
+        <p14:creationId xmlns:p14="http://schemas.microsoft.com/office/powerpoint/2010/main" val="3789876813"/>
+      </p:ext>
+    </p:extLst>
+  </p:cSld>
+  <p:clrMapOvr>
+    <a:masterClrMapping/>
+  </p:clrMapOvr>
+</p:sld>
+</file>
+
+<file path=ppt/slides/slide11.xml><?xml version="1.0" encoding="utf-8"?>
+<p:sld xmlns:a="http://schemas.openxmlformats.org/drawingml/2006/main" xmlns:r="http://schemas.openxmlformats.org/officeDocument/2006/relationships" xmlns:p="http://schemas.openxmlformats.org/presentationml/2006/main">
+  <p:cSld>
+    <p:spTree>
+      <p:nvGrpSpPr>
+        <p:cNvPr id="1" name="">
+          <a:extLst>
+            <a:ext uri="{FF2B5EF4-FFF2-40B4-BE49-F238E27FC236}">
               <a16:creationId xmlns:a16="http://schemas.microsoft.com/office/drawing/2014/main" id="{4BE7507D-0576-6EDF-8A8B-430A33B3C3BF}"/>
             </a:ext>
           </a:extLst>
@@ -10425,7 +10300,7 @@
 </p:sld>
 </file>
 
-<file path=ppt/slides/slide11.xml><?xml version="1.0" encoding="utf-8"?>
+<file path=ppt/slides/slide12.xml><?xml version="1.0" encoding="utf-8"?>
 <p:sld xmlns:a="http://schemas.openxmlformats.org/drawingml/2006/main" xmlns:r="http://schemas.openxmlformats.org/officeDocument/2006/relationships" xmlns:p="http://schemas.openxmlformats.org/presentationml/2006/main">
   <p:cSld>
     <p:spTree>
@@ -10717,7 +10592,7 @@
 </p:sld>
 </file>
 
-<file path=ppt/slides/slide12.xml><?xml version="1.0" encoding="utf-8"?>
+<file path=ppt/slides/slide13.xml><?xml version="1.0" encoding="utf-8"?>
 <p:sld xmlns:a="http://schemas.openxmlformats.org/drawingml/2006/main" xmlns:r="http://schemas.openxmlformats.org/officeDocument/2006/relationships" xmlns:p="http://schemas.openxmlformats.org/presentationml/2006/main">
   <p:cSld>
     <p:spTree>
@@ -11011,7 +10886,7 @@
 </p:sld>
 </file>
 
-<file path=ppt/slides/slide13.xml><?xml version="1.0" encoding="utf-8"?>
+<file path=ppt/slides/slide14.xml><?xml version="1.0" encoding="utf-8"?>
 <p:sld xmlns:a="http://schemas.openxmlformats.org/drawingml/2006/main" xmlns:r="http://schemas.openxmlformats.org/officeDocument/2006/relationships" xmlns:p="http://schemas.openxmlformats.org/presentationml/2006/main">
   <p:cSld>
     <p:spTree>
@@ -11285,7 +11160,7 @@
 </p:sld>
 </file>
 
-<file path=ppt/slides/slide14.xml><?xml version="1.0" encoding="utf-8"?>
+<file path=ppt/slides/slide15.xml><?xml version="1.0" encoding="utf-8"?>
 <p:sld xmlns:a="http://schemas.openxmlformats.org/drawingml/2006/main" xmlns:r="http://schemas.openxmlformats.org/officeDocument/2006/relationships" xmlns:p="http://schemas.openxmlformats.org/presentationml/2006/main">
   <p:cSld>
     <p:spTree>
@@ -11508,7 +11383,7 @@
 </p:sld>
 </file>
 
-<file path=ppt/slides/slide15.xml><?xml version="1.0" encoding="utf-8"?>
+<file path=ppt/slides/slide16.xml><?xml version="1.0" encoding="utf-8"?>
 <p:sld xmlns:a="http://schemas.openxmlformats.org/drawingml/2006/main" xmlns:r="http://schemas.openxmlformats.org/officeDocument/2006/relationships" xmlns:p="http://schemas.openxmlformats.org/presentationml/2006/main">
   <p:cSld>
     <p:spTree>
@@ -11720,7 +11595,7 @@
 </p:sld>
 </file>
 
-<file path=ppt/slides/slide16.xml><?xml version="1.0" encoding="utf-8"?>
+<file path=ppt/slides/slide17.xml><?xml version="1.0" encoding="utf-8"?>
 <p:sld xmlns:a="http://schemas.openxmlformats.org/drawingml/2006/main" xmlns:r="http://schemas.openxmlformats.org/officeDocument/2006/relationships" xmlns:p="http://schemas.openxmlformats.org/presentationml/2006/main">
   <p:cSld>
     <p:spTree>
@@ -12271,6 +12146,222 @@
         <p:cNvPr id="1" name="">
           <a:extLst>
             <a:ext uri="{FF2B5EF4-FFF2-40B4-BE49-F238E27FC236}">
+              <a16:creationId xmlns:a16="http://schemas.microsoft.com/office/drawing/2014/main" id="{0AFBDC2B-43B1-220D-8A43-04E964D5670F}"/>
+            </a:ext>
+          </a:extLst>
+        </p:cNvPr>
+        <p:cNvGrpSpPr/>
+        <p:nvPr/>
+      </p:nvGrpSpPr>
+      <p:grpSpPr>
+        <a:xfrm>
+          <a:off x="0" y="0"/>
+          <a:ext cx="0" cy="0"/>
+          <a:chOff x="0" y="0"/>
+          <a:chExt cx="0" cy="0"/>
+        </a:xfrm>
+      </p:grpSpPr>
+      <p:grpSp>
+        <p:nvGrpSpPr>
+          <p:cNvPr id="8" name="Group 7">
+            <a:extLst>
+              <a:ext uri="{FF2B5EF4-FFF2-40B4-BE49-F238E27FC236}">
+                <a16:creationId xmlns:a16="http://schemas.microsoft.com/office/drawing/2014/main" id="{F367B440-FF4B-CD23-7379-1A948CED8F7C}"/>
+              </a:ext>
+            </a:extLst>
+          </p:cNvPr>
+          <p:cNvGrpSpPr/>
+          <p:nvPr/>
+        </p:nvGrpSpPr>
+        <p:grpSpPr>
+          <a:xfrm>
+            <a:off x="2270743" y="307454"/>
+            <a:ext cx="8023502" cy="666324"/>
+            <a:chOff x="19085" y="671"/>
+            <a:chExt cx="8345982" cy="1116858"/>
+          </a:xfrm>
+        </p:grpSpPr>
+        <p:sp>
+          <p:nvSpPr>
+            <p:cNvPr id="9" name="Rectangle 8">
+              <a:extLst>
+                <a:ext uri="{FF2B5EF4-FFF2-40B4-BE49-F238E27FC236}">
+                  <a16:creationId xmlns:a16="http://schemas.microsoft.com/office/drawing/2014/main" id="{5F231C6C-7C5B-0585-EBCD-2067B80BF80B}"/>
+                </a:ext>
+              </a:extLst>
+            </p:cNvPr>
+            <p:cNvSpPr/>
+            <p:nvPr/>
+          </p:nvSpPr>
+          <p:spPr>
+            <a:xfrm>
+              <a:off x="19085" y="671"/>
+              <a:ext cx="8345982" cy="1116858"/>
+            </a:xfrm>
+            <a:prstGeom prst="rect">
+              <a:avLst/>
+            </a:prstGeom>
+            <a:solidFill>
+              <a:srgbClr val="009680"/>
+            </a:solidFill>
+          </p:spPr>
+          <p:style>
+            <a:lnRef idx="2">
+              <a:schemeClr val="lt1">
+                <a:hueOff val="0"/>
+                <a:satOff val="0"/>
+                <a:lumOff val="0"/>
+                <a:alphaOff val="0"/>
+              </a:schemeClr>
+            </a:lnRef>
+            <a:fillRef idx="1">
+              <a:scrgbClr r="0" g="0" b="0"/>
+            </a:fillRef>
+            <a:effectRef idx="0">
+              <a:schemeClr val="accent1">
+                <a:hueOff val="0"/>
+                <a:satOff val="0"/>
+                <a:lumOff val="0"/>
+                <a:alphaOff val="0"/>
+              </a:schemeClr>
+            </a:effectRef>
+            <a:fontRef idx="minor">
+              <a:schemeClr val="lt1"/>
+            </a:fontRef>
+          </p:style>
+          <p:txBody>
+            <a:bodyPr/>
+            <a:lstStyle/>
+            <a:p>
+              <a:endParaRPr lang="en-US"/>
+            </a:p>
+          </p:txBody>
+        </p:sp>
+        <p:sp>
+          <p:nvSpPr>
+            <p:cNvPr id="10" name="TextBox 9">
+              <a:extLst>
+                <a:ext uri="{FF2B5EF4-FFF2-40B4-BE49-F238E27FC236}">
+                  <a16:creationId xmlns:a16="http://schemas.microsoft.com/office/drawing/2014/main" id="{CD7775DA-7E25-EB4C-1731-6A044592B7AB}"/>
+                </a:ext>
+              </a:extLst>
+            </p:cNvPr>
+            <p:cNvSpPr txBox="1"/>
+            <p:nvPr/>
+          </p:nvSpPr>
+          <p:spPr>
+            <a:xfrm>
+              <a:off x="19085" y="671"/>
+              <a:ext cx="8345982" cy="1116858"/>
+            </a:xfrm>
+            <a:prstGeom prst="rect">
+              <a:avLst/>
+            </a:prstGeom>
+          </p:spPr>
+          <p:style>
+            <a:lnRef idx="0">
+              <a:scrgbClr r="0" g="0" b="0"/>
+            </a:lnRef>
+            <a:fillRef idx="0">
+              <a:scrgbClr r="0" g="0" b="0"/>
+            </a:fillRef>
+            <a:effectRef idx="0">
+              <a:scrgbClr r="0" g="0" b="0"/>
+            </a:effectRef>
+            <a:fontRef idx="minor">
+              <a:schemeClr val="lt1"/>
+            </a:fontRef>
+          </p:style>
+          <p:txBody>
+            <a:bodyPr spcFirstLastPara="0" vert="horz" wrap="square" lIns="41275" tIns="41275" rIns="41275" bIns="41275" numCol="1" spcCol="1270" anchor="ctr" anchorCtr="0">
+              <a:noAutofit/>
+            </a:bodyPr>
+            <a:lstStyle/>
+            <a:p>
+              <a:pPr algn="ctr">
+                <a:spcBef>
+                  <a:spcPts val="0"/>
+                </a:spcBef>
+              </a:pPr>
+              <a:r>
+                <a:rPr lang="en-US" sz="3500" b="1" dirty="0">
+                  <a:latin typeface="Trebuchet MS" panose="020B0603020202020204" pitchFamily="34" charset="0"/>
+                  <a:cs typeface="Times New Roman" panose="02020603050405020304" pitchFamily="18" charset="0"/>
+                </a:rPr>
+                <a:t>Types of Machine Learning</a:t>
+              </a:r>
+            </a:p>
+          </p:txBody>
+        </p:sp>
+      </p:grpSp>
+      <p:pic>
+        <p:nvPicPr>
+          <p:cNvPr id="1026" name="Picture 2" descr="Knn Supervised Learning 2025 | levitan.com">
+            <a:extLst>
+              <a:ext uri="{FF2B5EF4-FFF2-40B4-BE49-F238E27FC236}">
+                <a16:creationId xmlns:a16="http://schemas.microsoft.com/office/drawing/2014/main" id="{25FA598E-7762-03E1-1AC4-DBF94EF3054D}"/>
+              </a:ext>
+            </a:extLst>
+          </p:cNvPr>
+          <p:cNvPicPr>
+            <a:picLocks noChangeAspect="1" noChangeArrowheads="1"/>
+          </p:cNvPicPr>
+          <p:nvPr/>
+        </p:nvPicPr>
+        <p:blipFill>
+          <a:blip r:embed="rId3">
+            <a:extLst>
+              <a:ext uri="{28A0092B-C50C-407E-A947-70E740481C1C}">
+                <a14:useLocalDpi xmlns:a14="http://schemas.microsoft.com/office/drawing/2010/main" val="0"/>
+              </a:ext>
+            </a:extLst>
+          </a:blip>
+          <a:srcRect/>
+          <a:stretch>
+            <a:fillRect/>
+          </a:stretch>
+        </p:blipFill>
+        <p:spPr bwMode="auto">
+          <a:xfrm>
+            <a:off x="2162066" y="1142717"/>
+            <a:ext cx="8240856" cy="5407829"/>
+          </a:xfrm>
+          <a:prstGeom prst="rect">
+            <a:avLst/>
+          </a:prstGeom>
+          <a:noFill/>
+          <a:extLst>
+            <a:ext uri="{909E8E84-426E-40DD-AFC4-6F175D3DCCD1}">
+              <a14:hiddenFill xmlns:a14="http://schemas.microsoft.com/office/drawing/2010/main">
+                <a:solidFill>
+                  <a:srgbClr val="FFFFFF"/>
+                </a:solidFill>
+              </a14:hiddenFill>
+            </a:ext>
+          </a:extLst>
+        </p:spPr>
+      </p:pic>
+    </p:spTree>
+    <p:extLst>
+      <p:ext uri="{BB962C8B-B14F-4D97-AF65-F5344CB8AC3E}">
+        <p14:creationId xmlns:p14="http://schemas.microsoft.com/office/powerpoint/2010/main" val="3640957215"/>
+      </p:ext>
+    </p:extLst>
+  </p:cSld>
+  <p:clrMapOvr>
+    <a:masterClrMapping/>
+  </p:clrMapOvr>
+</p:sld>
+</file>
+
+<file path=ppt/slides/slide5.xml><?xml version="1.0" encoding="utf-8"?>
+<p:sld xmlns:a="http://schemas.openxmlformats.org/drawingml/2006/main" xmlns:r="http://schemas.openxmlformats.org/officeDocument/2006/relationships" xmlns:p="http://schemas.openxmlformats.org/presentationml/2006/main">
+  <p:cSld>
+    <p:spTree>
+      <p:nvGrpSpPr>
+        <p:cNvPr id="1" name="">
+          <a:extLst>
+            <a:ext uri="{FF2B5EF4-FFF2-40B4-BE49-F238E27FC236}">
               <a16:creationId xmlns:a16="http://schemas.microsoft.com/office/drawing/2014/main" id="{4E67E8E1-D756-F961-2B70-F2A13920311C}"/>
             </a:ext>
           </a:extLst>
@@ -12558,7 +12649,7 @@
 </p:sld>
 </file>
 
-<file path=ppt/slides/slide5.xml><?xml version="1.0" encoding="utf-8"?>
+<file path=ppt/slides/slide6.xml><?xml version="1.0" encoding="utf-8"?>
 <p:sld xmlns:a="http://schemas.openxmlformats.org/drawingml/2006/main" xmlns:r="http://schemas.openxmlformats.org/officeDocument/2006/relationships" xmlns:p="http://schemas.openxmlformats.org/presentationml/2006/main">
   <p:cSld>
     <p:spTree>
@@ -12783,7 +12874,7 @@
 </p:sld>
 </file>
 
-<file path=ppt/slides/slide6.xml><?xml version="1.0" encoding="utf-8"?>
+<file path=ppt/slides/slide7.xml><?xml version="1.0" encoding="utf-8"?>
 <p:sld xmlns:a="http://schemas.openxmlformats.org/drawingml/2006/main" xmlns:r="http://schemas.openxmlformats.org/officeDocument/2006/relationships" xmlns:p="http://schemas.openxmlformats.org/presentationml/2006/main">
   <p:cSld>
     <p:spTree>
@@ -13069,7 +13160,7 @@
 </p:sld>
 </file>
 
-<file path=ppt/slides/slide7.xml><?xml version="1.0" encoding="utf-8"?>
+<file path=ppt/slides/slide8.xml><?xml version="1.0" encoding="utf-8"?>
 <p:sld xmlns:a="http://schemas.openxmlformats.org/drawingml/2006/main" xmlns:r="http://schemas.openxmlformats.org/officeDocument/2006/relationships" xmlns:p="http://schemas.openxmlformats.org/presentationml/2006/main">
   <p:cSld>
     <p:spTree>
@@ -13398,7 +13489,7 @@
 </p:sld>
 </file>
 
-<file path=ppt/slides/slide8.xml><?xml version="1.0" encoding="utf-8"?>
+<file path=ppt/slides/slide9.xml><?xml version="1.0" encoding="utf-8"?>
 <p:sld xmlns:a="http://schemas.openxmlformats.org/drawingml/2006/main" xmlns:r="http://schemas.openxmlformats.org/officeDocument/2006/relationships" xmlns:p="http://schemas.openxmlformats.org/presentationml/2006/main">
   <p:cSld>
     <p:spTree>
@@ -13678,212 +13769,6 @@
     <p:extLst>
       <p:ext uri="{BB962C8B-B14F-4D97-AF65-F5344CB8AC3E}">
         <p14:creationId xmlns:p14="http://schemas.microsoft.com/office/powerpoint/2010/main" val="4180396810"/>
-      </p:ext>
-    </p:extLst>
-  </p:cSld>
-  <p:clrMapOvr>
-    <a:masterClrMapping/>
-  </p:clrMapOvr>
-</p:sld>
-</file>
-
-<file path=ppt/slides/slide9.xml><?xml version="1.0" encoding="utf-8"?>
-<p:sld xmlns:a="http://schemas.openxmlformats.org/drawingml/2006/main" xmlns:r="http://schemas.openxmlformats.org/officeDocument/2006/relationships" xmlns:p="http://schemas.openxmlformats.org/presentationml/2006/main">
-  <p:cSld>
-    <p:spTree>
-      <p:nvGrpSpPr>
-        <p:cNvPr id="1" name="">
-          <a:extLst>
-            <a:ext uri="{FF2B5EF4-FFF2-40B4-BE49-F238E27FC236}">
-              <a16:creationId xmlns:a16="http://schemas.microsoft.com/office/drawing/2014/main" id="{94435258-CFF3-A4B0-30FE-93FC72A62151}"/>
-            </a:ext>
-          </a:extLst>
-        </p:cNvPr>
-        <p:cNvGrpSpPr/>
-        <p:nvPr/>
-      </p:nvGrpSpPr>
-      <p:grpSpPr>
-        <a:xfrm>
-          <a:off x="0" y="0"/>
-          <a:ext cx="0" cy="0"/>
-          <a:chOff x="0" y="0"/>
-          <a:chExt cx="0" cy="0"/>
-        </a:xfrm>
-      </p:grpSpPr>
-      <p:grpSp>
-        <p:nvGrpSpPr>
-          <p:cNvPr id="8" name="Group 7">
-            <a:extLst>
-              <a:ext uri="{FF2B5EF4-FFF2-40B4-BE49-F238E27FC236}">
-                <a16:creationId xmlns:a16="http://schemas.microsoft.com/office/drawing/2014/main" id="{81DAA514-AF51-F3B5-E47A-C649310A88DD}"/>
-              </a:ext>
-            </a:extLst>
-          </p:cNvPr>
-          <p:cNvGrpSpPr/>
-          <p:nvPr/>
-        </p:nvGrpSpPr>
-        <p:grpSpPr>
-          <a:xfrm>
-            <a:off x="2270743" y="307454"/>
-            <a:ext cx="8023502" cy="666323"/>
-            <a:chOff x="19085" y="671"/>
-            <a:chExt cx="8345982" cy="1116857"/>
-          </a:xfrm>
-        </p:grpSpPr>
-        <p:sp>
-          <p:nvSpPr>
-            <p:cNvPr id="9" name="Rectangle 8">
-              <a:extLst>
-                <a:ext uri="{FF2B5EF4-FFF2-40B4-BE49-F238E27FC236}">
-                  <a16:creationId xmlns:a16="http://schemas.microsoft.com/office/drawing/2014/main" id="{9594A6F8-60ED-D8E1-A477-9C47CE27F4EF}"/>
-                </a:ext>
-              </a:extLst>
-            </p:cNvPr>
-            <p:cNvSpPr/>
-            <p:nvPr/>
-          </p:nvSpPr>
-          <p:spPr>
-            <a:xfrm>
-              <a:off x="19085" y="671"/>
-              <a:ext cx="8345982" cy="1116857"/>
-            </a:xfrm>
-            <a:prstGeom prst="rect">
-              <a:avLst/>
-            </a:prstGeom>
-            <a:solidFill>
-              <a:srgbClr val="009680"/>
-            </a:solidFill>
-          </p:spPr>
-          <p:style>
-            <a:lnRef idx="2">
-              <a:schemeClr val="lt1">
-                <a:hueOff val="0"/>
-                <a:satOff val="0"/>
-                <a:lumOff val="0"/>
-                <a:alphaOff val="0"/>
-              </a:schemeClr>
-            </a:lnRef>
-            <a:fillRef idx="1">
-              <a:scrgbClr r="0" g="0" b="0"/>
-            </a:fillRef>
-            <a:effectRef idx="0">
-              <a:schemeClr val="accent1">
-                <a:hueOff val="0"/>
-                <a:satOff val="0"/>
-                <a:lumOff val="0"/>
-                <a:alphaOff val="0"/>
-              </a:schemeClr>
-            </a:effectRef>
-            <a:fontRef idx="minor">
-              <a:schemeClr val="lt1"/>
-            </a:fontRef>
-          </p:style>
-          <p:txBody>
-            <a:bodyPr/>
-            <a:lstStyle/>
-            <a:p>
-              <a:endParaRPr lang="en-US"/>
-            </a:p>
-          </p:txBody>
-        </p:sp>
-        <p:sp>
-          <p:nvSpPr>
-            <p:cNvPr id="10" name="TextBox 9">
-              <a:extLst>
-                <a:ext uri="{FF2B5EF4-FFF2-40B4-BE49-F238E27FC236}">
-                  <a16:creationId xmlns:a16="http://schemas.microsoft.com/office/drawing/2014/main" id="{CF1E34EA-C4D9-723E-B6D1-9926E4929F4E}"/>
-                </a:ext>
-              </a:extLst>
-            </p:cNvPr>
-            <p:cNvSpPr txBox="1"/>
-            <p:nvPr/>
-          </p:nvSpPr>
-          <p:spPr>
-            <a:xfrm>
-              <a:off x="19085" y="671"/>
-              <a:ext cx="8345982" cy="1116857"/>
-            </a:xfrm>
-            <a:prstGeom prst="rect">
-              <a:avLst/>
-            </a:prstGeom>
-          </p:spPr>
-          <p:style>
-            <a:lnRef idx="0">
-              <a:scrgbClr r="0" g="0" b="0"/>
-            </a:lnRef>
-            <a:fillRef idx="0">
-              <a:scrgbClr r="0" g="0" b="0"/>
-            </a:fillRef>
-            <a:effectRef idx="0">
-              <a:scrgbClr r="0" g="0" b="0"/>
-            </a:effectRef>
-            <a:fontRef idx="minor">
-              <a:schemeClr val="lt1"/>
-            </a:fontRef>
-          </p:style>
-          <p:txBody>
-            <a:bodyPr spcFirstLastPara="0" vert="horz" wrap="square" lIns="41275" tIns="41275" rIns="41275" bIns="41275" numCol="1" spcCol="1270" anchor="ctr" anchorCtr="0">
-              <a:noAutofit/>
-            </a:bodyPr>
-            <a:lstStyle/>
-            <a:p>
-              <a:pPr lvl="0" algn="ctr" defTabSz="2889250">
-                <a:lnSpc>
-                  <a:spcPct val="90000"/>
-                </a:lnSpc>
-                <a:spcBef>
-                  <a:spcPct val="0"/>
-                </a:spcBef>
-                <a:spcAft>
-                  <a:spcPct val="35000"/>
-                </a:spcAft>
-              </a:pPr>
-              <a:r>
-                <a:rPr lang="en-US" sz="2800" b="1" dirty="0">
-                  <a:ea typeface="Tahoma" panose="020B0604030504040204" pitchFamily="34" charset="0"/>
-                  <a:cs typeface="Times New Roman" panose="02020603050405020304" pitchFamily="18" charset="0"/>
-                </a:rPr>
-                <a:t>Unsupervised Learning Tasks</a:t>
-              </a:r>
-              <a:endParaRPr lang="en-US" sz="2800" b="1" kern="1200" dirty="0"/>
-            </a:p>
-          </p:txBody>
-        </p:sp>
-      </p:grpSp>
-      <p:pic>
-        <p:nvPicPr>
-          <p:cNvPr id="12" name="Picture 11">
-            <a:extLst>
-              <a:ext uri="{FF2B5EF4-FFF2-40B4-BE49-F238E27FC236}">
-                <a16:creationId xmlns:a16="http://schemas.microsoft.com/office/drawing/2014/main" id="{4B061820-AF77-920C-27CA-C4F79E1B2049}"/>
-              </a:ext>
-            </a:extLst>
-          </p:cNvPr>
-          <p:cNvPicPr>
-            <a:picLocks noChangeAspect="1"/>
-          </p:cNvPicPr>
-          <p:nvPr/>
-        </p:nvPicPr>
-        <p:blipFill>
-          <a:blip r:embed="rId3"/>
-          <a:stretch>
-            <a:fillRect/>
-          </a:stretch>
-        </p:blipFill>
-        <p:spPr>
-          <a:xfrm>
-            <a:off x="917098" y="1853614"/>
-            <a:ext cx="10357804" cy="3873417"/>
-          </a:xfrm>
-          <a:prstGeom prst="rect">
-            <a:avLst/>
-          </a:prstGeom>
-        </p:spPr>
-      </p:pic>
-    </p:spTree>
-    <p:extLst>
-      <p:ext uri="{BB962C8B-B14F-4D97-AF65-F5344CB8AC3E}">
-        <p14:creationId xmlns:p14="http://schemas.microsoft.com/office/powerpoint/2010/main" val="3789876813"/>
       </p:ext>
     </p:extLst>
   </p:cSld>
@@ -14756,6 +14641,15 @@
 </file>
 
 <file path=customXml/item2.xml><?xml version="1.0" encoding="utf-8"?>
+<?mso-contentType ?>
+<FormTemplates xmlns="http://schemas.microsoft.com/sharepoint/v3/contenttype/forms">
+  <Display>DocumentLibraryForm</Display>
+  <Edit>DocumentLibraryForm</Edit>
+  <New>DocumentLibraryForm</New>
+</FormTemplates>
+</file>
+
+<file path=customXml/item3.xml><?xml version="1.0" encoding="utf-8"?>
 <ct:contentTypeSchema xmlns:ct="http://schemas.microsoft.com/office/2006/metadata/contentType" xmlns:ma="http://schemas.microsoft.com/office/2006/metadata/properties/metaAttributes" ct:_="" ma:_="" ma:contentTypeName="Document" ma:contentTypeID="0x0101002CF17876FF137A4AB43423C6D43110F3" ma:contentTypeVersion="14" ma:contentTypeDescription="Create a new document." ma:contentTypeScope="" ma:versionID="fe438734e2ff0f245183fb779d7dc392">
   <xsd:schema xmlns:xsd="http://www.w3.org/2001/XMLSchema" xmlns:xs="http://www.w3.org/2001/XMLSchema" xmlns:p="http://schemas.microsoft.com/office/2006/metadata/properties" xmlns:ns2="28e6510d-4ecc-4cf3-a81e-2b626c7e9010" xmlns:ns3="bb00f955-0ff1-43a7-8278-f67a2e627f2a" targetNamespace="http://schemas.microsoft.com/office/2006/metadata/properties" ma:root="true" ma:fieldsID="a73e38589a1efc953eb502e5fcba237b" ns2:_="" ns3:_="">
     <xsd:import namespace="28e6510d-4ecc-4cf3-a81e-2b626c7e9010"/>
@@ -14984,15 +14878,6 @@
 </ct:contentTypeSchema>
 </file>
 
-<file path=customXml/item3.xml><?xml version="1.0" encoding="utf-8"?>
-<?mso-contentType ?>
-<FormTemplates xmlns="http://schemas.microsoft.com/sharepoint/v3/contenttype/forms">
-  <Display>DocumentLibraryForm</Display>
-  <Edit>DocumentLibraryForm</Edit>
-  <New>DocumentLibraryForm</New>
-</FormTemplates>
-</file>
-
 <file path=customXml/itemProps1.xml><?xml version="1.0" encoding="utf-8"?>
 <ds:datastoreItem xmlns:ds="http://schemas.openxmlformats.org/officeDocument/2006/customXml" ds:itemID="{8F97265E-FD28-4336-B568-516DCDC83EDB}">
   <ds:schemaRefs>
@@ -15011,6 +14896,14 @@
 </file>
 
 <file path=customXml/itemProps2.xml><?xml version="1.0" encoding="utf-8"?>
+<ds:datastoreItem xmlns:ds="http://schemas.openxmlformats.org/officeDocument/2006/customXml" ds:itemID="{C93BE297-B52A-4A73-9D13-96E027360C04}">
+  <ds:schemaRefs>
+    <ds:schemaRef ds:uri="http://schemas.microsoft.com/sharepoint/v3/contenttype/forms"/>
+  </ds:schemaRefs>
+</ds:datastoreItem>
+</file>
+
+<file path=customXml/itemProps3.xml><?xml version="1.0" encoding="utf-8"?>
 <ds:datastoreItem xmlns:ds="http://schemas.openxmlformats.org/officeDocument/2006/customXml" ds:itemID="{D89E1BDC-29E9-44BC-8E23-619B962E0C2E}">
   <ds:schemaRefs>
     <ds:schemaRef ds:uri="http://schemas.microsoft.com/office/2006/metadata/contentType"/>
@@ -15027,12 +14920,4 @@
     <ds:schemaRef ds:uri="http://schemas.microsoft.com/internal/obd"/>
   </ds:schemaRefs>
 </ds:datastoreItem>
-</file>
-
-<file path=customXml/itemProps3.xml><?xml version="1.0" encoding="utf-8"?>
-<ds:datastoreItem xmlns:ds="http://schemas.openxmlformats.org/officeDocument/2006/customXml" ds:itemID="{C93BE297-B52A-4A73-9D13-96E027360C04}">
-  <ds:schemaRefs>
-    <ds:schemaRef ds:uri="http://schemas.microsoft.com/sharepoint/v3/contenttype/forms"/>
-  </ds:schemaRefs>
-</ds:datastoreItem>
 </file>